--- a/Learning Materials/C#/환경설정.pptx
+++ b/Learning Materials/C#/환경설정.pptx
@@ -13,20 +13,6 @@
     <p:sldId id="258" r:id="rId5"/>
     <p:sldId id="259" r:id="rId6"/>
     <p:sldId id="261" r:id="rId7"/>
-    <p:sldId id="262" r:id="rId8"/>
-    <p:sldId id="263" r:id="rId9"/>
-    <p:sldId id="264" r:id="rId10"/>
-    <p:sldId id="265" r:id="rId11"/>
-    <p:sldId id="266" r:id="rId12"/>
-    <p:sldId id="270" r:id="rId13"/>
-    <p:sldId id="267" r:id="rId14"/>
-    <p:sldId id="268" r:id="rId15"/>
-    <p:sldId id="269" r:id="rId16"/>
-    <p:sldId id="271" r:id="rId17"/>
-    <p:sldId id="272" r:id="rId18"/>
-    <p:sldId id="273" r:id="rId19"/>
-    <p:sldId id="274" r:id="rId20"/>
-    <p:sldId id="275" r:id="rId21"/>
   </p:sldIdLst>
   <p:sldSz cx="12192000" cy="6858000"/>
   <p:notesSz cx="6858000" cy="9144000"/>
@@ -3720,2016 +3706,6 @@
 </p:sld>
 </file>
 
-<file path=ppt/slides/slide10.xml><?xml version="1.0" encoding="utf-8"?>
-<p:sld xmlns:r="http://schemas.openxmlformats.org/officeDocument/2006/relationships" xmlns:c="http://schemas.openxmlformats.org/drawingml/2006/chart" xmlns:a="http://schemas.openxmlformats.org/drawingml/2006/main" xmlns:dgm="http://schemas.openxmlformats.org/drawingml/2006/diagram" xmlns:dsp="http://schemas.microsoft.com/office/drawing/2008/diagram" xmlns:p="http://schemas.openxmlformats.org/presentationml/2006/main">
-  <p:cSld>
-    <p:spTree>
-      <p:nvGrpSpPr>
-        <p:cNvPr id="1" name=""/>
-        <p:cNvGrpSpPr/>
-        <p:nvPr/>
-      </p:nvGrpSpPr>
-      <p:grpSpPr>
-        <a:xfrm>
-          <a:off x="0" y="0"/>
-          <a:ext cx="0" cy="0"/>
-          <a:chOff x="0" y="0"/>
-          <a:chExt cx="0" cy="0"/>
-        </a:xfrm>
-      </p:grpSpPr>
-      <p:pic>
-        <p:nvPicPr>
-          <p:cNvPr id="8" name=""/>
-          <p:cNvPicPr>
-            <a:picLocks noChangeAspect="1"/>
-          </p:cNvPicPr>
-          <p:nvPr/>
-        </p:nvPicPr>
-        <p:blipFill rotWithShape="1">
-          <a:blip r:embed="rId2"/>
-          <a:stretch>
-            <a:fillRect/>
-          </a:stretch>
-        </p:blipFill>
-        <p:spPr>
-          <a:xfrm>
-            <a:off x="285750" y="1500187"/>
-            <a:ext cx="5810250" cy="3857625"/>
-          </a:xfrm>
-          <a:prstGeom prst="rect">
-            <a:avLst/>
-          </a:prstGeom>
-        </p:spPr>
-      </p:pic>
-      <p:pic>
-        <p:nvPicPr>
-          <p:cNvPr id="9" name=""/>
-          <p:cNvPicPr>
-            <a:picLocks noChangeAspect="1"/>
-          </p:cNvPicPr>
-          <p:nvPr/>
-        </p:nvPicPr>
-        <p:blipFill rotWithShape="1">
-          <a:blip r:embed="rId3"/>
-          <a:stretch>
-            <a:fillRect/>
-          </a:stretch>
-        </p:blipFill>
-        <p:spPr>
-          <a:xfrm>
-            <a:off x="7350768" y="1928812"/>
-            <a:ext cx="3914775" cy="3000375"/>
-          </a:xfrm>
-          <a:prstGeom prst="rect">
-            <a:avLst/>
-          </a:prstGeom>
-        </p:spPr>
-      </p:pic>
-      <p:sp>
-        <p:nvSpPr>
-          <p:cNvPr id="10" name=""/>
-          <p:cNvSpPr/>
-          <p:nvPr/>
-        </p:nvSpPr>
-        <p:spPr>
-          <a:xfrm>
-            <a:off x="428625" y="3531547"/>
-            <a:ext cx="1424316" cy="273590"/>
-          </a:xfrm>
-          <a:prstGeom prst="rect">
-            <a:avLst/>
-          </a:prstGeom>
-          <a:noFill/>
-          <a:ln w="76200" cap="flat" cmpd="sng" algn="ctr">
-            <a:solidFill>
-              <a:srgbClr val="ff0000">
-                <a:alpha val="100000"/>
-              </a:srgbClr>
-            </a:solidFill>
-            <a:prstDash val="solid"/>
-          </a:ln>
-        </p:spPr>
-        <p:txBody>
-          <a:bodyPr anchor="ctr"/>
-          <a:p>
-            <a:pPr marL="0" indent="0" algn="ctr" defTabSz="914400" rtl="0" eaLnBrk="1" latinLnBrk="1" hangingPunct="1">
-              <a:lnSpc>
-                <a:spcPct val="100000"/>
-              </a:lnSpc>
-              <a:spcBef>
-                <a:spcPct val="0"/>
-              </a:spcBef>
-              <a:spcAft>
-                <a:spcPts val="0"/>
-              </a:spcAft>
-              <a:buNone/>
-              <a:defRPr/>
-            </a:pPr>
-            <a:endParaRPr xmlns:mc="http://schemas.openxmlformats.org/markup-compatibility/2006" xmlns:hp="http://schemas.haansoft.com/office/presentation/8.0" kumimoji="0" lang="ko-KR" altLang="en-US" sz="1800" b="0" i="0" u="none" strike="noStrike" kern="1200" cap="none" spc="0" normalizeH="0" baseline="0" mc:Ignorable="hp" hp:hslEmbossed="0">
-              <a:solidFill>
-                <a:srgbClr val="ffffff"/>
-              </a:solidFill>
-              <a:latin typeface="Calibri"/>
-              <a:ea typeface="맑은 고딕"/>
-              <a:cs typeface="맑은 고딕"/>
-            </a:endParaRPr>
-          </a:p>
-        </p:txBody>
-      </p:sp>
-    </p:spTree>
-    <p:extLst>
-      <p:ext uri="{BB962C8B-B14F-4D97-AF65-F5344CB8AC3E}">
-        <p14:creationId xmlns:p14="http://schemas.microsoft.com/office/powerpoint/2010/main" val="3574136597"/>
-      </p:ext>
-    </p:extLst>
-  </p:cSld>
-  <p:clrMapOvr>
-    <a:masterClrMapping/>
-  </p:clrMapOvr>
-  <mc:AlternateContent xmlns:mc="http://schemas.openxmlformats.org/markup-compatibility/2006">
-    <mc:Choice xmlns:p14="http://schemas.microsoft.com/office/powerpoint/2010/main" Requires="p14">
-      <p:transition xmlns:mc="http://schemas.openxmlformats.org/markup-compatibility/2006" xmlns:p14="http://schemas.microsoft.com/office/powerpoint/2010/main" mc:Ignorable="p14" p14:dur="500"/>
-    </mc:Choice>
-    <mc:Fallback>
-      <p:transition/>
-    </mc:Fallback>
-  </mc:AlternateContent>
-</p:sld>
-</file>
-
-<file path=ppt/slides/slide11.xml><?xml version="1.0" encoding="utf-8"?>
-<p:sld xmlns:r="http://schemas.openxmlformats.org/officeDocument/2006/relationships" xmlns:c="http://schemas.openxmlformats.org/drawingml/2006/chart" xmlns:a="http://schemas.openxmlformats.org/drawingml/2006/main" xmlns:dgm="http://schemas.openxmlformats.org/drawingml/2006/diagram" xmlns:dsp="http://schemas.microsoft.com/office/drawing/2008/diagram" xmlns:p="http://schemas.openxmlformats.org/presentationml/2006/main">
-  <p:cSld>
-    <p:spTree>
-      <p:nvGrpSpPr>
-        <p:cNvPr id="1" name=""/>
-        <p:cNvGrpSpPr/>
-        <p:nvPr/>
-      </p:nvGrpSpPr>
-      <p:grpSpPr>
-        <a:xfrm>
-          <a:off x="0" y="0"/>
-          <a:ext cx="0" cy="0"/>
-          <a:chOff x="0" y="0"/>
-          <a:chExt cx="0" cy="0"/>
-        </a:xfrm>
-      </p:grpSpPr>
-      <p:pic>
-        <p:nvPicPr>
-          <p:cNvPr id="4" name=""/>
-          <p:cNvPicPr>
-            <a:picLocks noChangeAspect="1"/>
-          </p:cNvPicPr>
-          <p:nvPr/>
-        </p:nvPicPr>
-        <p:blipFill rotWithShape="1">
-          <a:blip r:embed="rId2"/>
-          <a:stretch>
-            <a:fillRect/>
-          </a:stretch>
-        </p:blipFill>
-        <p:spPr>
-          <a:xfrm>
-            <a:off x="1243012" y="590550"/>
-            <a:ext cx="9705975" cy="5676900"/>
-          </a:xfrm>
-          <a:prstGeom prst="rect">
-            <a:avLst/>
-          </a:prstGeom>
-        </p:spPr>
-      </p:pic>
-      <p:sp>
-        <p:nvSpPr>
-          <p:cNvPr id="5" name=""/>
-          <p:cNvSpPr/>
-          <p:nvPr/>
-        </p:nvSpPr>
-        <p:spPr>
-          <a:xfrm>
-            <a:off x="1952219" y="3661452"/>
-            <a:ext cx="3075992" cy="547180"/>
-          </a:xfrm>
-          <a:prstGeom prst="rect">
-            <a:avLst/>
-          </a:prstGeom>
-          <a:noFill/>
-          <a:ln w="76200" cap="flat" cmpd="sng" algn="ctr">
-            <a:solidFill>
-              <a:srgbClr val="ff0000">
-                <a:alpha val="100000"/>
-              </a:srgbClr>
-            </a:solidFill>
-            <a:prstDash val="solid"/>
-          </a:ln>
-        </p:spPr>
-        <p:txBody>
-          <a:bodyPr anchor="ctr"/>
-          <a:p>
-            <a:pPr marL="0" indent="0" algn="ctr" defTabSz="914400" rtl="0" eaLnBrk="1" latinLnBrk="1" hangingPunct="1">
-              <a:lnSpc>
-                <a:spcPct val="100000"/>
-              </a:lnSpc>
-              <a:spcBef>
-                <a:spcPct val="0"/>
-              </a:spcBef>
-              <a:spcAft>
-                <a:spcPts val="0"/>
-              </a:spcAft>
-              <a:buNone/>
-              <a:defRPr/>
-            </a:pPr>
-            <a:endParaRPr xmlns:mc="http://schemas.openxmlformats.org/markup-compatibility/2006" xmlns:hp="http://schemas.haansoft.com/office/presentation/8.0" kumimoji="0" lang="ko-KR" altLang="en-US" sz="1800" b="0" i="0" u="none" strike="noStrike" kern="1200" cap="none" spc="0" normalizeH="0" baseline="0" mc:Ignorable="hp" hp:hslEmbossed="0">
-              <a:solidFill>
-                <a:srgbClr val="ffffff"/>
-              </a:solidFill>
-              <a:latin typeface="Calibri"/>
-              <a:ea typeface="맑은 고딕"/>
-              <a:cs typeface="맑은 고딕"/>
-            </a:endParaRPr>
-          </a:p>
-        </p:txBody>
-      </p:sp>
-    </p:spTree>
-    <p:extLst>
-      <p:ext uri="{BB962C8B-B14F-4D97-AF65-F5344CB8AC3E}">
-        <p14:creationId xmlns:p14="http://schemas.microsoft.com/office/powerpoint/2010/main" val="2423478268"/>
-      </p:ext>
-    </p:extLst>
-  </p:cSld>
-  <p:clrMapOvr>
-    <a:masterClrMapping/>
-  </p:clrMapOvr>
-  <mc:AlternateContent xmlns:mc="http://schemas.openxmlformats.org/markup-compatibility/2006">
-    <mc:Choice xmlns:p14="http://schemas.microsoft.com/office/powerpoint/2010/main" Requires="p14">
-      <p:transition xmlns:mc="http://schemas.openxmlformats.org/markup-compatibility/2006" xmlns:p14="http://schemas.microsoft.com/office/powerpoint/2010/main" mc:Ignorable="p14" p14:dur="500"/>
-    </mc:Choice>
-    <mc:Fallback>
-      <p:transition/>
-    </mc:Fallback>
-  </mc:AlternateContent>
-</p:sld>
-</file>
-
-<file path=ppt/slides/slide12.xml><?xml version="1.0" encoding="utf-8"?>
-<p:sld xmlns:r="http://schemas.openxmlformats.org/officeDocument/2006/relationships" xmlns:c="http://schemas.openxmlformats.org/drawingml/2006/chart" xmlns:a="http://schemas.openxmlformats.org/drawingml/2006/main" xmlns:dgm="http://schemas.openxmlformats.org/drawingml/2006/diagram" xmlns:dsp="http://schemas.microsoft.com/office/drawing/2008/diagram" xmlns:p="http://schemas.openxmlformats.org/presentationml/2006/main">
-  <p:cSld>
-    <p:spTree>
-      <p:nvGrpSpPr>
-        <p:cNvPr id="1" name=""/>
-        <p:cNvGrpSpPr/>
-        <p:nvPr/>
-      </p:nvGrpSpPr>
-      <p:grpSpPr>
-        <a:xfrm>
-          <a:off x="0" y="0"/>
-          <a:ext cx="0" cy="0"/>
-          <a:chOff x="0" y="0"/>
-          <a:chExt cx="0" cy="0"/>
-        </a:xfrm>
-      </p:grpSpPr>
-      <p:pic>
-        <p:nvPicPr>
-          <p:cNvPr id="10" name=""/>
-          <p:cNvPicPr>
-            <a:picLocks noChangeAspect="1"/>
-          </p:cNvPicPr>
-          <p:nvPr/>
-        </p:nvPicPr>
-        <p:blipFill rotWithShape="1">
-          <a:blip r:embed="rId2"/>
-          <a:stretch>
-            <a:fillRect/>
-          </a:stretch>
-        </p:blipFill>
-        <p:spPr>
-          <a:xfrm>
-            <a:off x="785812" y="309562"/>
-            <a:ext cx="10620375" cy="6238874"/>
-          </a:xfrm>
-          <a:prstGeom prst="rect">
-            <a:avLst/>
-          </a:prstGeom>
-        </p:spPr>
-      </p:pic>
-      <p:pic>
-        <p:nvPicPr>
-          <p:cNvPr id="8" name=""/>
-          <p:cNvPicPr>
-            <a:picLocks noChangeAspect="1"/>
-          </p:cNvPicPr>
-          <p:nvPr/>
-        </p:nvPicPr>
-        <p:blipFill rotWithShape="1">
-          <a:blip r:embed="rId3"/>
-          <a:stretch>
-            <a:fillRect/>
-          </a:stretch>
-        </p:blipFill>
-        <p:spPr>
-          <a:xfrm>
-            <a:off x="4234837" y="3429000"/>
-            <a:ext cx="7171350" cy="3052863"/>
-          </a:xfrm>
-          <a:prstGeom prst="rect">
-            <a:avLst/>
-          </a:prstGeom>
-        </p:spPr>
-      </p:pic>
-      <p:sp>
-        <p:nvSpPr>
-          <p:cNvPr id="9" name=""/>
-          <p:cNvSpPr/>
-          <p:nvPr/>
-        </p:nvSpPr>
-        <p:spPr>
-          <a:xfrm>
-            <a:off x="8125109" y="5654001"/>
-            <a:ext cx="2001897" cy="547180"/>
-          </a:xfrm>
-          <a:prstGeom prst="rect">
-            <a:avLst/>
-          </a:prstGeom>
-          <a:noFill/>
-          <a:ln w="76200" cap="flat" cmpd="sng" algn="ctr">
-            <a:solidFill>
-              <a:srgbClr val="ff0000">
-                <a:alpha val="100000"/>
-              </a:srgbClr>
-            </a:solidFill>
-            <a:prstDash val="solid"/>
-          </a:ln>
-        </p:spPr>
-        <p:txBody>
-          <a:bodyPr anchor="ctr"/>
-          <a:p>
-            <a:pPr marL="0" indent="0" algn="ctr" defTabSz="914400" rtl="0" eaLnBrk="1" latinLnBrk="1" hangingPunct="1">
-              <a:lnSpc>
-                <a:spcPct val="100000"/>
-              </a:lnSpc>
-              <a:spcBef>
-                <a:spcPct val="0"/>
-              </a:spcBef>
-              <a:spcAft>
-                <a:spcPts val="0"/>
-              </a:spcAft>
-              <a:buNone/>
-              <a:defRPr/>
-            </a:pPr>
-            <a:endParaRPr xmlns:mc="http://schemas.openxmlformats.org/markup-compatibility/2006" xmlns:hp="http://schemas.haansoft.com/office/presentation/8.0" kumimoji="0" lang="ko-KR" altLang="en-US" sz="1800" b="0" i="0" u="none" strike="noStrike" kern="1200" cap="none" spc="0" normalizeH="0" baseline="0" mc:Ignorable="hp" hp:hslEmbossed="0">
-              <a:solidFill>
-                <a:srgbClr val="ffffff"/>
-              </a:solidFill>
-              <a:latin typeface="Calibri"/>
-              <a:ea typeface="맑은 고딕"/>
-              <a:cs typeface="맑은 고딕"/>
-            </a:endParaRPr>
-          </a:p>
-        </p:txBody>
-      </p:sp>
-    </p:spTree>
-    <p:extLst>
-      <p:ext uri="{BB962C8B-B14F-4D97-AF65-F5344CB8AC3E}">
-        <p14:creationId xmlns:p14="http://schemas.microsoft.com/office/powerpoint/2010/main" val="2858808214"/>
-      </p:ext>
-    </p:extLst>
-  </p:cSld>
-  <p:clrMapOvr>
-    <a:masterClrMapping/>
-  </p:clrMapOvr>
-  <mc:AlternateContent xmlns:mc="http://schemas.openxmlformats.org/markup-compatibility/2006">
-    <mc:Choice xmlns:p14="http://schemas.microsoft.com/office/powerpoint/2010/main" Requires="p14">
-      <p:transition xmlns:mc="http://schemas.openxmlformats.org/markup-compatibility/2006" xmlns:p14="http://schemas.microsoft.com/office/powerpoint/2010/main" mc:Ignorable="p14" p14:dur="500"/>
-    </mc:Choice>
-    <mc:Fallback>
-      <p:transition/>
-    </mc:Fallback>
-  </mc:AlternateContent>
-</p:sld>
-</file>
-
-<file path=ppt/slides/slide13.xml><?xml version="1.0" encoding="utf-8"?>
-<p:sld xmlns:r="http://schemas.openxmlformats.org/officeDocument/2006/relationships" xmlns:c="http://schemas.openxmlformats.org/drawingml/2006/chart" xmlns:a="http://schemas.openxmlformats.org/drawingml/2006/main" xmlns:dgm="http://schemas.openxmlformats.org/drawingml/2006/diagram" xmlns:dsp="http://schemas.microsoft.com/office/drawing/2008/diagram" xmlns:p="http://schemas.openxmlformats.org/presentationml/2006/main">
-  <p:cSld>
-    <p:spTree>
-      <p:nvGrpSpPr>
-        <p:cNvPr id="1" name=""/>
-        <p:cNvGrpSpPr/>
-        <p:nvPr/>
-      </p:nvGrpSpPr>
-      <p:grpSpPr>
-        <a:xfrm>
-          <a:off x="0" y="0"/>
-          <a:ext cx="0" cy="0"/>
-          <a:chOff x="0" y="0"/>
-          <a:chExt cx="0" cy="0"/>
-        </a:xfrm>
-      </p:grpSpPr>
-      <p:pic>
-        <p:nvPicPr>
-          <p:cNvPr id="8" name=""/>
-          <p:cNvPicPr>
-            <a:picLocks noChangeAspect="1"/>
-          </p:cNvPicPr>
-          <p:nvPr/>
-        </p:nvPicPr>
-        <p:blipFill rotWithShape="1">
-          <a:blip r:embed="rId2"/>
-          <a:stretch>
-            <a:fillRect/>
-          </a:stretch>
-        </p:blipFill>
-        <p:spPr>
-          <a:xfrm>
-            <a:off x="3167062" y="1157287"/>
-            <a:ext cx="5857874" cy="4543425"/>
-          </a:xfrm>
-          <a:prstGeom prst="rect">
-            <a:avLst/>
-          </a:prstGeom>
-        </p:spPr>
-      </p:pic>
-      <p:sp>
-        <p:nvSpPr>
-          <p:cNvPr id="10" name=""/>
-          <p:cNvSpPr/>
-          <p:nvPr/>
-        </p:nvSpPr>
-        <p:spPr>
-          <a:xfrm>
-            <a:off x="4619099" y="3951660"/>
-            <a:ext cx="2913866" cy="395185"/>
-          </a:xfrm>
-          <a:prstGeom prst="rect">
-            <a:avLst/>
-          </a:prstGeom>
-          <a:noFill/>
-          <a:ln w="76200" cap="flat" cmpd="sng" algn="ctr">
-            <a:solidFill>
-              <a:srgbClr val="ff0000">
-                <a:alpha val="100000"/>
-              </a:srgbClr>
-            </a:solidFill>
-            <a:prstDash val="solid"/>
-          </a:ln>
-        </p:spPr>
-        <p:txBody>
-          <a:bodyPr anchor="ctr"/>
-          <a:p>
-            <a:pPr marL="0" indent="0" algn="ctr" defTabSz="914400" rtl="0" eaLnBrk="1" latinLnBrk="1" hangingPunct="1">
-              <a:lnSpc>
-                <a:spcPct val="100000"/>
-              </a:lnSpc>
-              <a:spcBef>
-                <a:spcPct val="0"/>
-              </a:spcBef>
-              <a:spcAft>
-                <a:spcPts val="0"/>
-              </a:spcAft>
-              <a:buNone/>
-              <a:defRPr/>
-            </a:pPr>
-            <a:endParaRPr xmlns:mc="http://schemas.openxmlformats.org/markup-compatibility/2006" xmlns:hp="http://schemas.haansoft.com/office/presentation/8.0" kumimoji="0" lang="ko-KR" altLang="en-US" sz="1800" b="0" i="0" u="none" strike="noStrike" kern="1200" cap="none" spc="0" normalizeH="0" baseline="0" mc:Ignorable="hp" hp:hslEmbossed="0">
-              <a:solidFill>
-                <a:srgbClr val="ffffff"/>
-              </a:solidFill>
-              <a:latin typeface="Calibri"/>
-              <a:ea typeface="맑은 고딕"/>
-              <a:cs typeface="맑은 고딕"/>
-            </a:endParaRPr>
-          </a:p>
-        </p:txBody>
-      </p:sp>
-    </p:spTree>
-    <p:extLst>
-      <p:ext uri="{BB962C8B-B14F-4D97-AF65-F5344CB8AC3E}">
-        <p14:creationId xmlns:p14="http://schemas.microsoft.com/office/powerpoint/2010/main" val="3886379163"/>
-      </p:ext>
-    </p:extLst>
-  </p:cSld>
-  <p:clrMapOvr>
-    <a:masterClrMapping/>
-  </p:clrMapOvr>
-  <mc:AlternateContent xmlns:mc="http://schemas.openxmlformats.org/markup-compatibility/2006">
-    <mc:Choice xmlns:p14="http://schemas.microsoft.com/office/powerpoint/2010/main" Requires="p14">
-      <p:transition xmlns:mc="http://schemas.openxmlformats.org/markup-compatibility/2006" xmlns:p14="http://schemas.microsoft.com/office/powerpoint/2010/main" mc:Ignorable="p14" p14:dur="500"/>
-    </mc:Choice>
-    <mc:Fallback>
-      <p:transition/>
-    </mc:Fallback>
-  </mc:AlternateContent>
-</p:sld>
-</file>
-
-<file path=ppt/slides/slide14.xml><?xml version="1.0" encoding="utf-8"?>
-<p:sld xmlns:r="http://schemas.openxmlformats.org/officeDocument/2006/relationships" xmlns:c="http://schemas.openxmlformats.org/drawingml/2006/chart" xmlns:a="http://schemas.openxmlformats.org/drawingml/2006/main" xmlns:dgm="http://schemas.openxmlformats.org/drawingml/2006/diagram" xmlns:dsp="http://schemas.microsoft.com/office/drawing/2008/diagram" xmlns:p="http://schemas.openxmlformats.org/presentationml/2006/main">
-  <p:cSld>
-    <p:spTree>
-      <p:nvGrpSpPr>
-        <p:cNvPr id="1" name=""/>
-        <p:cNvGrpSpPr/>
-        <p:nvPr/>
-      </p:nvGrpSpPr>
-      <p:grpSpPr>
-        <a:xfrm>
-          <a:off x="0" y="0"/>
-          <a:ext cx="0" cy="0"/>
-          <a:chOff x="0" y="0"/>
-          <a:chExt cx="0" cy="0"/>
-        </a:xfrm>
-      </p:grpSpPr>
-      <p:pic>
-        <p:nvPicPr>
-          <p:cNvPr id="8" name=""/>
-          <p:cNvPicPr>
-            <a:picLocks noChangeAspect="1"/>
-          </p:cNvPicPr>
-          <p:nvPr/>
-        </p:nvPicPr>
-        <p:blipFill rotWithShape="1">
-          <a:blip r:embed="rId2"/>
-          <a:stretch>
-            <a:fillRect/>
-          </a:stretch>
-        </p:blipFill>
-        <p:spPr>
-          <a:xfrm>
-            <a:off x="2200275" y="966787"/>
-            <a:ext cx="7791450" cy="4924425"/>
-          </a:xfrm>
-          <a:prstGeom prst="rect">
-            <a:avLst/>
-          </a:prstGeom>
-        </p:spPr>
-      </p:pic>
-      <p:sp>
-        <p:nvSpPr>
-          <p:cNvPr id="10" name=""/>
-          <p:cNvSpPr txBox="1"/>
-          <p:nvPr/>
-        </p:nvSpPr>
-        <p:spPr>
-          <a:xfrm>
-            <a:off x="1621437" y="966787"/>
-            <a:ext cx="578838" cy="362275"/>
-          </a:xfrm>
-          <a:prstGeom prst="rect">
-            <a:avLst/>
-          </a:prstGeom>
-        </p:spPr>
-        <p:txBody>
-          <a:bodyPr wrap="none">
-            <a:spAutoFit/>
-          </a:bodyPr>
-          <a:p>
-            <a:pPr>
-              <a:defRPr/>
-            </a:pPr>
-            <a:r>
-              <a:rPr lang="en-US" altLang="ko-KR">
-                <a:latin typeface="맑은 고딕"/>
-              </a:rPr>
-              <a:t>Tip.</a:t>
-            </a:r>
-            <a:endParaRPr lang="en-US" altLang="ko-KR">
-              <a:latin typeface="맑은 고딕"/>
-            </a:endParaRPr>
-          </a:p>
-        </p:txBody>
-      </p:sp>
-      <p:sp>
-        <p:nvSpPr>
-          <p:cNvPr id="11" name=""/>
-          <p:cNvSpPr/>
-          <p:nvPr/>
-        </p:nvSpPr>
-        <p:spPr>
-          <a:xfrm>
-            <a:off x="4507637" y="5005490"/>
-            <a:ext cx="5183652" cy="547178"/>
-          </a:xfrm>
-          <a:prstGeom prst="rect">
-            <a:avLst/>
-          </a:prstGeom>
-          <a:noFill/>
-          <a:ln w="76200" cap="flat" cmpd="sng" algn="ctr">
-            <a:solidFill>
-              <a:srgbClr val="ff0000">
-                <a:alpha val="100000"/>
-              </a:srgbClr>
-            </a:solidFill>
-            <a:prstDash val="solid"/>
-          </a:ln>
-        </p:spPr>
-        <p:txBody>
-          <a:bodyPr anchor="ctr"/>
-          <a:p>
-            <a:pPr marL="0" indent="0" algn="ctr" defTabSz="914400" rtl="0" eaLnBrk="1" latinLnBrk="1" hangingPunct="1">
-              <a:lnSpc>
-                <a:spcPct val="100000"/>
-              </a:lnSpc>
-              <a:spcBef>
-                <a:spcPct val="0"/>
-              </a:spcBef>
-              <a:spcAft>
-                <a:spcPts val="0"/>
-              </a:spcAft>
-              <a:buNone/>
-              <a:defRPr/>
-            </a:pPr>
-            <a:endParaRPr xmlns:mc="http://schemas.openxmlformats.org/markup-compatibility/2006" xmlns:hp="http://schemas.haansoft.com/office/presentation/8.0" kumimoji="0" lang="ko-KR" altLang="en-US" sz="1800" b="0" i="0" u="none" strike="noStrike" kern="1200" cap="none" spc="0" normalizeH="0" baseline="0" mc:Ignorable="hp" hp:hslEmbossed="0">
-              <a:solidFill>
-                <a:srgbClr val="ffffff"/>
-              </a:solidFill>
-              <a:latin typeface="Calibri"/>
-              <a:ea typeface="맑은 고딕"/>
-              <a:cs typeface="맑은 고딕"/>
-            </a:endParaRPr>
-          </a:p>
-        </p:txBody>
-      </p:sp>
-    </p:spTree>
-    <p:extLst>
-      <p:ext uri="{BB962C8B-B14F-4D97-AF65-F5344CB8AC3E}">
-        <p14:creationId xmlns:p14="http://schemas.microsoft.com/office/powerpoint/2010/main" val="63522238"/>
-      </p:ext>
-    </p:extLst>
-  </p:cSld>
-  <p:clrMapOvr>
-    <a:masterClrMapping/>
-  </p:clrMapOvr>
-  <mc:AlternateContent xmlns:mc="http://schemas.openxmlformats.org/markup-compatibility/2006">
-    <mc:Choice xmlns:p14="http://schemas.microsoft.com/office/powerpoint/2010/main" Requires="p14">
-      <p:transition xmlns:mc="http://schemas.openxmlformats.org/markup-compatibility/2006" xmlns:p14="http://schemas.microsoft.com/office/powerpoint/2010/main" mc:Ignorable="p14" p14:dur="500"/>
-    </mc:Choice>
-    <mc:Fallback>
-      <p:transition/>
-    </mc:Fallback>
-  </mc:AlternateContent>
-</p:sld>
-</file>
-
-<file path=ppt/slides/slide15.xml><?xml version="1.0" encoding="utf-8"?>
-<p:sld xmlns:r="http://schemas.openxmlformats.org/officeDocument/2006/relationships" xmlns:c="http://schemas.openxmlformats.org/drawingml/2006/chart" xmlns:a="http://schemas.openxmlformats.org/drawingml/2006/main" xmlns:dgm="http://schemas.openxmlformats.org/drawingml/2006/diagram" xmlns:dsp="http://schemas.microsoft.com/office/drawing/2008/diagram" xmlns:p="http://schemas.openxmlformats.org/presentationml/2006/main">
-  <p:cSld>
-    <p:spTree>
-      <p:nvGrpSpPr>
-        <p:cNvPr id="1" name=""/>
-        <p:cNvGrpSpPr/>
-        <p:nvPr/>
-      </p:nvGrpSpPr>
-      <p:grpSpPr>
-        <a:xfrm>
-          <a:off x="0" y="0"/>
-          <a:ext cx="0" cy="0"/>
-          <a:chOff x="0" y="0"/>
-          <a:chExt cx="0" cy="0"/>
-        </a:xfrm>
-      </p:grpSpPr>
-      <p:pic>
-        <p:nvPicPr>
-          <p:cNvPr id="4" name=""/>
-          <p:cNvPicPr>
-            <a:picLocks noChangeAspect="1"/>
-          </p:cNvPicPr>
-          <p:nvPr/>
-        </p:nvPicPr>
-        <p:blipFill rotWithShape="1">
-          <a:blip r:embed="rId2"/>
-          <a:stretch>
-            <a:fillRect/>
-          </a:stretch>
-        </p:blipFill>
-        <p:spPr>
-          <a:xfrm>
-            <a:off x="1233487" y="590550"/>
-            <a:ext cx="9725025" cy="5676900"/>
-          </a:xfrm>
-          <a:prstGeom prst="rect">
-            <a:avLst/>
-          </a:prstGeom>
-        </p:spPr>
-      </p:pic>
-      <p:sp>
-        <p:nvSpPr>
-          <p:cNvPr id="5" name=""/>
-          <p:cNvSpPr/>
-          <p:nvPr/>
-        </p:nvSpPr>
-        <p:spPr>
-          <a:xfrm>
-            <a:off x="9634926" y="1134084"/>
-            <a:ext cx="1069662" cy="415450"/>
-          </a:xfrm>
-          <a:prstGeom prst="rect">
-            <a:avLst/>
-          </a:prstGeom>
-          <a:noFill/>
-          <a:ln w="76200" cap="flat" cmpd="sng" algn="ctr">
-            <a:solidFill>
-              <a:srgbClr val="ff0000">
-                <a:alpha val="100000"/>
-              </a:srgbClr>
-            </a:solidFill>
-            <a:prstDash val="solid"/>
-          </a:ln>
-        </p:spPr>
-        <p:txBody>
-          <a:bodyPr anchor="ctr"/>
-          <a:p>
-            <a:pPr marL="0" indent="0" algn="ctr" defTabSz="914400" rtl="0" eaLnBrk="1" latinLnBrk="1" hangingPunct="1">
-              <a:lnSpc>
-                <a:spcPct val="100000"/>
-              </a:lnSpc>
-              <a:spcBef>
-                <a:spcPct val="0"/>
-              </a:spcBef>
-              <a:spcAft>
-                <a:spcPts val="0"/>
-              </a:spcAft>
-              <a:buNone/>
-              <a:defRPr/>
-            </a:pPr>
-            <a:endParaRPr xmlns:mc="http://schemas.openxmlformats.org/markup-compatibility/2006" xmlns:hp="http://schemas.haansoft.com/office/presentation/8.0" kumimoji="0" lang="ko-KR" altLang="en-US" sz="1800" b="0" i="0" u="none" strike="noStrike" kern="1200" cap="none" spc="0" normalizeH="0" baseline="0" mc:Ignorable="hp" hp:hslEmbossed="0">
-              <a:solidFill>
-                <a:srgbClr val="ffffff"/>
-              </a:solidFill>
-              <a:latin typeface="Calibri"/>
-              <a:ea typeface="맑은 고딕"/>
-              <a:cs typeface="맑은 고딕"/>
-            </a:endParaRPr>
-          </a:p>
-        </p:txBody>
-      </p:sp>
-    </p:spTree>
-    <p:extLst>
-      <p:ext uri="{BB962C8B-B14F-4D97-AF65-F5344CB8AC3E}">
-        <p14:creationId xmlns:p14="http://schemas.microsoft.com/office/powerpoint/2010/main" val="3197568671"/>
-      </p:ext>
-    </p:extLst>
-  </p:cSld>
-  <p:clrMapOvr>
-    <a:masterClrMapping/>
-  </p:clrMapOvr>
-  <mc:AlternateContent xmlns:mc="http://schemas.openxmlformats.org/markup-compatibility/2006">
-    <mc:Choice xmlns:p14="http://schemas.microsoft.com/office/powerpoint/2010/main" Requires="p14">
-      <p:transition xmlns:mc="http://schemas.openxmlformats.org/markup-compatibility/2006" xmlns:p14="http://schemas.microsoft.com/office/powerpoint/2010/main" mc:Ignorable="p14" p14:dur="500"/>
-    </mc:Choice>
-    <mc:Fallback>
-      <p:transition/>
-    </mc:Fallback>
-  </mc:AlternateContent>
-</p:sld>
-</file>
-
-<file path=ppt/slides/slide16.xml><?xml version="1.0" encoding="utf-8"?>
-<p:sld xmlns:r="http://schemas.openxmlformats.org/officeDocument/2006/relationships" xmlns:c="http://schemas.openxmlformats.org/drawingml/2006/chart" xmlns:a="http://schemas.openxmlformats.org/drawingml/2006/main" xmlns:dgm="http://schemas.openxmlformats.org/drawingml/2006/diagram" xmlns:dsp="http://schemas.microsoft.com/office/drawing/2008/diagram" xmlns:p="http://schemas.openxmlformats.org/presentationml/2006/main">
-  <p:cSld>
-    <p:spTree>
-      <p:nvGrpSpPr>
-        <p:cNvPr id="1" name=""/>
-        <p:cNvGrpSpPr/>
-        <p:nvPr/>
-      </p:nvGrpSpPr>
-      <p:grpSpPr>
-        <a:xfrm>
-          <a:off x="0" y="0"/>
-          <a:ext cx="0" cy="0"/>
-          <a:chOff x="0" y="0"/>
-          <a:chExt cx="0" cy="0"/>
-        </a:xfrm>
-      </p:grpSpPr>
-      <p:pic>
-        <p:nvPicPr>
-          <p:cNvPr id="4" name=""/>
-          <p:cNvPicPr>
-            <a:picLocks noChangeAspect="1"/>
-          </p:cNvPicPr>
-          <p:nvPr/>
-        </p:nvPicPr>
-        <p:blipFill rotWithShape="1">
-          <a:blip r:embed="rId2"/>
-          <a:stretch>
-            <a:fillRect/>
-          </a:stretch>
-        </p:blipFill>
-        <p:spPr>
-          <a:xfrm>
-            <a:off x="1223962" y="595312"/>
-            <a:ext cx="9744075" cy="5667374"/>
-          </a:xfrm>
-          <a:prstGeom prst="rect">
-            <a:avLst/>
-          </a:prstGeom>
-        </p:spPr>
-      </p:pic>
-      <p:sp>
-        <p:nvSpPr>
-          <p:cNvPr id="5" name=""/>
-          <p:cNvSpPr/>
-          <p:nvPr/>
-        </p:nvSpPr>
-        <p:spPr>
-          <a:xfrm>
-            <a:off x="1356281" y="1620461"/>
-            <a:ext cx="1687774" cy="415450"/>
-          </a:xfrm>
-          <a:prstGeom prst="rect">
-            <a:avLst/>
-          </a:prstGeom>
-          <a:noFill/>
-          <a:ln w="76200" cap="flat" cmpd="sng" algn="ctr">
-            <a:solidFill>
-              <a:srgbClr val="ff0000">
-                <a:alpha val="100000"/>
-              </a:srgbClr>
-            </a:solidFill>
-            <a:prstDash val="solid"/>
-          </a:ln>
-        </p:spPr>
-        <p:txBody>
-          <a:bodyPr anchor="ctr"/>
-          <a:p>
-            <a:pPr marL="0" indent="0" algn="ctr" defTabSz="914400" rtl="0" eaLnBrk="1" latinLnBrk="1" hangingPunct="1">
-              <a:lnSpc>
-                <a:spcPct val="100000"/>
-              </a:lnSpc>
-              <a:spcBef>
-                <a:spcPct val="0"/>
-              </a:spcBef>
-              <a:spcAft>
-                <a:spcPts val="0"/>
-              </a:spcAft>
-              <a:buNone/>
-              <a:defRPr/>
-            </a:pPr>
-            <a:endParaRPr xmlns:mc="http://schemas.openxmlformats.org/markup-compatibility/2006" xmlns:hp="http://schemas.haansoft.com/office/presentation/8.0" kumimoji="0" lang="ko-KR" altLang="en-US" sz="1800" b="0" i="0" u="none" strike="noStrike" kern="1200" cap="none" spc="0" normalizeH="0" baseline="0" mc:Ignorable="hp" hp:hslEmbossed="0">
-              <a:solidFill>
-                <a:srgbClr val="ffffff"/>
-              </a:solidFill>
-              <a:latin typeface="Calibri"/>
-              <a:ea typeface="맑은 고딕"/>
-              <a:cs typeface="맑은 고딕"/>
-            </a:endParaRPr>
-          </a:p>
-        </p:txBody>
-      </p:sp>
-      <p:sp>
-        <p:nvSpPr>
-          <p:cNvPr id="6" name=""/>
-          <p:cNvSpPr/>
-          <p:nvPr/>
-        </p:nvSpPr>
-        <p:spPr>
-          <a:xfrm>
-            <a:off x="3332617" y="2907755"/>
-            <a:ext cx="4119689" cy="709306"/>
-          </a:xfrm>
-          <a:prstGeom prst="rect">
-            <a:avLst/>
-          </a:prstGeom>
-          <a:noFill/>
-          <a:ln w="76200" cap="flat" cmpd="sng" algn="ctr">
-            <a:solidFill>
-              <a:srgbClr val="ff0000">
-                <a:alpha val="100000"/>
-              </a:srgbClr>
-            </a:solidFill>
-            <a:prstDash val="solid"/>
-          </a:ln>
-        </p:spPr>
-        <p:txBody>
-          <a:bodyPr anchor="ctr"/>
-          <a:p>
-            <a:pPr marL="0" indent="0" algn="ctr" defTabSz="914400" rtl="0" eaLnBrk="1" latinLnBrk="1" hangingPunct="1">
-              <a:lnSpc>
-                <a:spcPct val="100000"/>
-              </a:lnSpc>
-              <a:spcBef>
-                <a:spcPct val="0"/>
-              </a:spcBef>
-              <a:spcAft>
-                <a:spcPts val="0"/>
-              </a:spcAft>
-              <a:buNone/>
-              <a:defRPr/>
-            </a:pPr>
-            <a:endParaRPr xmlns:mc="http://schemas.openxmlformats.org/markup-compatibility/2006" xmlns:hp="http://schemas.haansoft.com/office/presentation/8.0" kumimoji="0" lang="ko-KR" altLang="en-US" sz="1800" b="0" i="0" u="none" strike="noStrike" kern="1200" cap="none" spc="0" normalizeH="0" baseline="0" mc:Ignorable="hp" hp:hslEmbossed="0">
-              <a:solidFill>
-                <a:srgbClr val="ffffff"/>
-              </a:solidFill>
-              <a:latin typeface="Calibri"/>
-              <a:ea typeface="맑은 고딕"/>
-              <a:cs typeface="맑은 고딕"/>
-            </a:endParaRPr>
-          </a:p>
-        </p:txBody>
-      </p:sp>
-      <p:sp>
-        <p:nvSpPr>
-          <p:cNvPr id="7" name=""/>
-          <p:cNvSpPr/>
-          <p:nvPr/>
-        </p:nvSpPr>
-        <p:spPr>
-          <a:xfrm>
-            <a:off x="7750597" y="4265574"/>
-            <a:ext cx="2934131" cy="1205822"/>
-          </a:xfrm>
-          <a:prstGeom prst="rect">
-            <a:avLst/>
-          </a:prstGeom>
-          <a:noFill/>
-          <a:ln w="76200" cap="flat" cmpd="sng" algn="ctr">
-            <a:solidFill>
-              <a:srgbClr val="ff0000">
-                <a:alpha val="100000"/>
-              </a:srgbClr>
-            </a:solidFill>
-            <a:prstDash val="solid"/>
-          </a:ln>
-        </p:spPr>
-        <p:txBody>
-          <a:bodyPr anchor="ctr"/>
-          <a:p>
-            <a:pPr marL="0" indent="0" algn="ctr" defTabSz="914400" rtl="0" eaLnBrk="1" latinLnBrk="1" hangingPunct="1">
-              <a:lnSpc>
-                <a:spcPct val="100000"/>
-              </a:lnSpc>
-              <a:spcBef>
-                <a:spcPct val="0"/>
-              </a:spcBef>
-              <a:spcAft>
-                <a:spcPts val="0"/>
-              </a:spcAft>
-              <a:buNone/>
-              <a:defRPr/>
-            </a:pPr>
-            <a:endParaRPr xmlns:mc="http://schemas.openxmlformats.org/markup-compatibility/2006" xmlns:hp="http://schemas.haansoft.com/office/presentation/8.0" kumimoji="0" lang="ko-KR" altLang="en-US" sz="1800" b="0" i="0" u="none" strike="noStrike" kern="1200" cap="none" spc="0" normalizeH="0" baseline="0" mc:Ignorable="hp" hp:hslEmbossed="0">
-              <a:solidFill>
-                <a:srgbClr val="ffffff"/>
-              </a:solidFill>
-              <a:latin typeface="Calibri"/>
-              <a:ea typeface="맑은 고딕"/>
-              <a:cs typeface="맑은 고딕"/>
-            </a:endParaRPr>
-          </a:p>
-        </p:txBody>
-      </p:sp>
-      <p:sp>
-        <p:nvSpPr>
-          <p:cNvPr id="8" name=""/>
-          <p:cNvSpPr/>
-          <p:nvPr/>
-        </p:nvSpPr>
-        <p:spPr>
-          <a:xfrm>
-            <a:off x="9665730" y="5744989"/>
-            <a:ext cx="1140593" cy="415450"/>
-          </a:xfrm>
-          <a:prstGeom prst="rect">
-            <a:avLst/>
-          </a:prstGeom>
-          <a:noFill/>
-          <a:ln w="76200" cap="flat" cmpd="sng" algn="ctr">
-            <a:solidFill>
-              <a:srgbClr val="ff0000">
-                <a:alpha val="100000"/>
-              </a:srgbClr>
-            </a:solidFill>
-            <a:prstDash val="solid"/>
-          </a:ln>
-        </p:spPr>
-        <p:txBody>
-          <a:bodyPr anchor="ctr"/>
-          <a:p>
-            <a:pPr marL="0" indent="0" algn="ctr" defTabSz="914400" rtl="0" eaLnBrk="1" latinLnBrk="1" hangingPunct="1">
-              <a:lnSpc>
-                <a:spcPct val="100000"/>
-              </a:lnSpc>
-              <a:spcBef>
-                <a:spcPct val="0"/>
-              </a:spcBef>
-              <a:spcAft>
-                <a:spcPts val="0"/>
-              </a:spcAft>
-              <a:buNone/>
-              <a:defRPr/>
-            </a:pPr>
-            <a:endParaRPr xmlns:mc="http://schemas.openxmlformats.org/markup-compatibility/2006" xmlns:hp="http://schemas.haansoft.com/office/presentation/8.0" kumimoji="0" lang="ko-KR" altLang="en-US" sz="1800" b="0" i="0" u="none" strike="noStrike" kern="1200" cap="none" spc="0" normalizeH="0" baseline="0" mc:Ignorable="hp" hp:hslEmbossed="0">
-              <a:solidFill>
-                <a:srgbClr val="ffffff"/>
-              </a:solidFill>
-              <a:latin typeface="Calibri"/>
-              <a:ea typeface="맑은 고딕"/>
-              <a:cs typeface="맑은 고딕"/>
-            </a:endParaRPr>
-          </a:p>
-        </p:txBody>
-      </p:sp>
-    </p:spTree>
-    <p:extLst>
-      <p:ext uri="{BB962C8B-B14F-4D97-AF65-F5344CB8AC3E}">
-        <p14:creationId xmlns:p14="http://schemas.microsoft.com/office/powerpoint/2010/main" val="283523835"/>
-      </p:ext>
-    </p:extLst>
-  </p:cSld>
-  <p:clrMapOvr>
-    <a:masterClrMapping/>
-  </p:clrMapOvr>
-  <mc:AlternateContent xmlns:mc="http://schemas.openxmlformats.org/markup-compatibility/2006">
-    <mc:Choice xmlns:p14="http://schemas.microsoft.com/office/powerpoint/2010/main" Requires="p14">
-      <p:transition xmlns:mc="http://schemas.openxmlformats.org/markup-compatibility/2006" xmlns:p14="http://schemas.microsoft.com/office/powerpoint/2010/main" mc:Ignorable="p14" p14:dur="500"/>
-    </mc:Choice>
-    <mc:Fallback>
-      <p:transition/>
-    </mc:Fallback>
-  </mc:AlternateContent>
-</p:sld>
-</file>
-
-<file path=ppt/slides/slide17.xml><?xml version="1.0" encoding="utf-8"?>
-<p:sld xmlns:r="http://schemas.openxmlformats.org/officeDocument/2006/relationships" xmlns:c="http://schemas.openxmlformats.org/drawingml/2006/chart" xmlns:a="http://schemas.openxmlformats.org/drawingml/2006/main" xmlns:dgm="http://schemas.openxmlformats.org/drawingml/2006/diagram" xmlns:dsp="http://schemas.microsoft.com/office/drawing/2008/diagram" xmlns:p="http://schemas.openxmlformats.org/presentationml/2006/main">
-  <p:cSld>
-    <p:spTree>
-      <p:nvGrpSpPr>
-        <p:cNvPr id="1" name=""/>
-        <p:cNvGrpSpPr/>
-        <p:nvPr/>
-      </p:nvGrpSpPr>
-      <p:grpSpPr>
-        <a:xfrm>
-          <a:off x="0" y="0"/>
-          <a:ext cx="0" cy="0"/>
-          <a:chOff x="0" y="0"/>
-          <a:chExt cx="0" cy="0"/>
-        </a:xfrm>
-      </p:grpSpPr>
-      <p:pic>
-        <p:nvPicPr>
-          <p:cNvPr id="4" name=""/>
-          <p:cNvPicPr>
-            <a:picLocks noChangeAspect="1"/>
-          </p:cNvPicPr>
-          <p:nvPr/>
-        </p:nvPicPr>
-        <p:blipFill rotWithShape="1">
-          <a:blip r:embed="rId2"/>
-          <a:stretch>
-            <a:fillRect/>
-          </a:stretch>
-        </p:blipFill>
-        <p:spPr>
-          <a:xfrm>
-            <a:off x="0" y="209258"/>
-            <a:ext cx="12192000" cy="6439482"/>
-          </a:xfrm>
-          <a:prstGeom prst="rect">
-            <a:avLst/>
-          </a:prstGeom>
-        </p:spPr>
-      </p:pic>
-      <p:sp>
-        <p:nvSpPr>
-          <p:cNvPr id="5" name=""/>
-          <p:cNvSpPr/>
-          <p:nvPr/>
-        </p:nvSpPr>
-        <p:spPr>
-          <a:xfrm>
-            <a:off x="1245224" y="4377031"/>
-            <a:ext cx="8132349" cy="2271710"/>
-          </a:xfrm>
-          <a:prstGeom prst="rect">
-            <a:avLst/>
-          </a:prstGeom>
-          <a:noFill/>
-          <a:ln w="76200" cap="flat" cmpd="sng" algn="ctr">
-            <a:solidFill>
-              <a:srgbClr val="ff0000">
-                <a:alpha val="100000"/>
-              </a:srgbClr>
-            </a:solidFill>
-            <a:prstDash val="solid"/>
-          </a:ln>
-        </p:spPr>
-        <p:txBody>
-          <a:bodyPr anchor="ctr"/>
-          <a:p>
-            <a:pPr marL="0" indent="0" algn="ctr" defTabSz="914400" rtl="0" eaLnBrk="1" latinLnBrk="1" hangingPunct="1">
-              <a:lnSpc>
-                <a:spcPct val="100000"/>
-              </a:lnSpc>
-              <a:spcBef>
-                <a:spcPct val="0"/>
-              </a:spcBef>
-              <a:spcAft>
-                <a:spcPts val="0"/>
-              </a:spcAft>
-              <a:buNone/>
-              <a:defRPr/>
-            </a:pPr>
-            <a:endParaRPr xmlns:mc="http://schemas.openxmlformats.org/markup-compatibility/2006" xmlns:hp="http://schemas.haansoft.com/office/presentation/8.0" kumimoji="0" lang="ko-KR" altLang="en-US" sz="1800" b="0" i="0" u="none" strike="noStrike" kern="1200" cap="none" spc="0" normalizeH="0" baseline="0" mc:Ignorable="hp" hp:hslEmbossed="0">
-              <a:solidFill>
-                <a:srgbClr val="ffffff"/>
-              </a:solidFill>
-              <a:latin typeface="Calibri"/>
-              <a:ea typeface="맑은 고딕"/>
-              <a:cs typeface="맑은 고딕"/>
-            </a:endParaRPr>
-          </a:p>
-        </p:txBody>
-      </p:sp>
-      <p:sp>
-        <p:nvSpPr>
-          <p:cNvPr id="6" name=""/>
-          <p:cNvSpPr txBox="1"/>
-          <p:nvPr/>
-        </p:nvSpPr>
-        <p:spPr>
-          <a:xfrm>
-            <a:off x="3096637" y="4753967"/>
-            <a:ext cx="5302833" cy="635278"/>
-          </a:xfrm>
-          <a:prstGeom prst="rect">
-            <a:avLst/>
-          </a:prstGeom>
-        </p:spPr>
-        <p:txBody>
-          <a:bodyPr wrap="square">
-            <a:spAutoFit/>
-          </a:bodyPr>
-          <a:p>
-            <a:pPr>
-              <a:defRPr/>
-            </a:pPr>
-            <a:r>
-              <a:rPr lang="ko-KR" altLang="en-US">
-                <a:solidFill>
-                  <a:schemeClr val="lt1"/>
-                </a:solidFill>
-                <a:latin typeface="맑은 고딕"/>
-              </a:rPr>
-              <a:t>우클릭 </a:t>
-            </a:r>
-            <a:r>
-              <a:rPr lang="en-US" altLang="ko-KR">
-                <a:solidFill>
-                  <a:schemeClr val="lt1"/>
-                </a:solidFill>
-                <a:latin typeface="맑은 고딕"/>
-              </a:rPr>
-              <a:t>-&gt;</a:t>
-            </a:r>
-            <a:r>
-              <a:rPr lang="ko-KR" altLang="en-US">
-                <a:solidFill>
-                  <a:schemeClr val="lt1"/>
-                </a:solidFill>
-                <a:latin typeface="맑은 고딕"/>
-              </a:rPr>
-              <a:t> </a:t>
-            </a:r>
-            <a:r>
-              <a:rPr lang="en-US" altLang="ko-KR">
-                <a:solidFill>
-                  <a:schemeClr val="lt1"/>
-                </a:solidFill>
-                <a:latin typeface="맑은 고딕"/>
-              </a:rPr>
-              <a:t>Create -&gt; C# Script -&gt; HelloUnity</a:t>
-            </a:r>
-            <a:r>
-              <a:rPr lang="ko-KR" altLang="en-US">
-                <a:solidFill>
-                  <a:schemeClr val="lt1"/>
-                </a:solidFill>
-                <a:latin typeface="맑은 고딕"/>
-              </a:rPr>
-              <a:t>생성 </a:t>
-            </a:r>
-            <a:r>
-              <a:rPr lang="en-US" altLang="ko-KR">
-                <a:solidFill>
-                  <a:schemeClr val="lt1"/>
-                </a:solidFill>
-                <a:latin typeface="맑은 고딕"/>
-              </a:rPr>
-              <a:t>-&gt;</a:t>
-            </a:r>
-            <a:r>
-              <a:rPr lang="ko-KR" altLang="en-US">
-                <a:solidFill>
-                  <a:schemeClr val="lt1"/>
-                </a:solidFill>
-                <a:latin typeface="맑은 고딕"/>
-              </a:rPr>
-              <a:t> 더블클릭</a:t>
-            </a:r>
-            <a:r>
-              <a:rPr lang="en-US" altLang="ko-KR">
-                <a:solidFill>
-                  <a:schemeClr val="lt1"/>
-                </a:solidFill>
-                <a:latin typeface="맑은 고딕"/>
-              </a:rPr>
-              <a:t> </a:t>
-            </a:r>
-            <a:endParaRPr lang="en-US" altLang="ko-KR">
-              <a:solidFill>
-                <a:schemeClr val="lt1"/>
-              </a:solidFill>
-              <a:latin typeface="맑은 고딕"/>
-            </a:endParaRPr>
-          </a:p>
-        </p:txBody>
-      </p:sp>
-      <p:pic>
-        <p:nvPicPr>
-          <p:cNvPr id="7" name=""/>
-          <p:cNvPicPr>
-            <a:picLocks noChangeAspect="1"/>
-          </p:cNvPicPr>
-          <p:nvPr/>
-        </p:nvPicPr>
-        <p:blipFill rotWithShape="1">
-          <a:blip r:embed="rId3"/>
-          <a:stretch>
-            <a:fillRect/>
-          </a:stretch>
-        </p:blipFill>
-        <p:spPr>
-          <a:xfrm>
-            <a:off x="1355387" y="4617536"/>
-            <a:ext cx="1156229" cy="631892"/>
-          </a:xfrm>
-          <a:prstGeom prst="rect">
-            <a:avLst/>
-          </a:prstGeom>
-        </p:spPr>
-      </p:pic>
-      <p:sp>
-        <p:nvSpPr>
-          <p:cNvPr id="8" name=""/>
-          <p:cNvSpPr/>
-          <p:nvPr/>
-        </p:nvSpPr>
-        <p:spPr>
-          <a:xfrm>
-            <a:off x="328511" y="1189611"/>
-            <a:ext cx="648510" cy="192526"/>
-          </a:xfrm>
-          <a:prstGeom prst="rect">
-            <a:avLst/>
-          </a:prstGeom>
-          <a:noFill/>
-          <a:ln w="76200">
-            <a:solidFill>
-              <a:srgbClr val="ff0000"/>
-            </a:solidFill>
-          </a:ln>
-        </p:spPr>
-        <p:style>
-          <a:lnRef idx="2">
-            <a:schemeClr val="accent1">
-              <a:shade val="20000"/>
-            </a:schemeClr>
-          </a:lnRef>
-          <a:fillRef idx="1">
-            <a:schemeClr val="accent1"/>
-          </a:fillRef>
-          <a:effectRef idx="0">
-            <a:schemeClr val="accent1"/>
-          </a:effectRef>
-          <a:fontRef idx="minor">
-            <a:schemeClr val="lt1"/>
-          </a:fontRef>
-        </p:style>
-        <p:txBody>
-          <a:bodyPr anchor="ctr"/>
-          <a:p>
-            <a:pPr algn="ctr">
-              <a:defRPr/>
-            </a:pPr>
-            <a:endParaRPr lang="ko-KR" altLang="en-US"/>
-          </a:p>
-        </p:txBody>
-      </p:sp>
-      <p:sp>
-        <p:nvSpPr>
-          <p:cNvPr id="10" name=""/>
-          <p:cNvSpPr txBox="1"/>
-          <p:nvPr/>
-        </p:nvSpPr>
-        <p:spPr>
-          <a:xfrm>
-            <a:off x="125943" y="1564531"/>
-            <a:ext cx="2458888" cy="643364"/>
-          </a:xfrm>
-          <a:prstGeom prst="rect">
-            <a:avLst/>
-          </a:prstGeom>
-        </p:spPr>
-        <p:txBody>
-          <a:bodyPr wrap="square">
-            <a:spAutoFit/>
-          </a:bodyPr>
-          <a:p>
-            <a:pPr marL="0" indent="0" algn="l" defTabSz="914400" rtl="0" eaLnBrk="1" latinLnBrk="1" hangingPunct="1">
-              <a:lnSpc>
-                <a:spcPct val="100000"/>
-              </a:lnSpc>
-              <a:spcBef>
-                <a:spcPct val="0"/>
-              </a:spcBef>
-              <a:spcAft>
-                <a:spcPts val="0"/>
-              </a:spcAft>
-              <a:buNone/>
-              <a:defRPr/>
-            </a:pPr>
-            <a:r>
-              <a:rPr xmlns:mc="http://schemas.openxmlformats.org/markup-compatibility/2006" xmlns:hp="http://schemas.haansoft.com/office/presentation/8.0" kumimoji="0" lang="ko-KR" altLang="en-US" sz="1800" b="0" i="0" u="none" strike="noStrike" kern="1200" cap="none" spc="0" normalizeH="0" baseline="0" mc:Ignorable="hp" hp:hslEmbossed="0">
-                <a:solidFill>
-                  <a:srgbClr val="ffffff"/>
-                </a:solidFill>
-                <a:latin typeface="맑은 고딕"/>
-              </a:rPr>
-              <a:t>우클릭</a:t>
-            </a:r>
-            <a:endParaRPr xmlns:mc="http://schemas.openxmlformats.org/markup-compatibility/2006" xmlns:hp="http://schemas.haansoft.com/office/presentation/8.0" kumimoji="0" lang="en-US" altLang="ko-KR" sz="1800" b="0" i="0" u="none" strike="noStrike" kern="1200" cap="none" spc="0" normalizeH="0" baseline="0" mc:Ignorable="hp" hp:hslEmbossed="0">
-              <a:solidFill>
-                <a:srgbClr val="ffffff"/>
-              </a:solidFill>
-              <a:latin typeface="맑은 고딕"/>
-            </a:endParaRPr>
-          </a:p>
-          <a:p>
-            <a:pPr marL="0" indent="0" algn="l" defTabSz="914400" rtl="0" eaLnBrk="1" latinLnBrk="1" hangingPunct="1">
-              <a:lnSpc>
-                <a:spcPct val="100000"/>
-              </a:lnSpc>
-              <a:spcBef>
-                <a:spcPct val="0"/>
-              </a:spcBef>
-              <a:spcAft>
-                <a:spcPts val="0"/>
-              </a:spcAft>
-              <a:buNone/>
-              <a:defRPr/>
-            </a:pPr>
-            <a:r>
-              <a:rPr xmlns:mc="http://schemas.openxmlformats.org/markup-compatibility/2006" xmlns:hp="http://schemas.haansoft.com/office/presentation/8.0" kumimoji="0" lang="en-US" altLang="ko-KR" sz="1800" b="0" i="0" u="none" strike="noStrike" kern="1200" cap="none" spc="0" normalizeH="0" baseline="0" mc:Ignorable="hp" hp:hslEmbossed="0">
-                <a:solidFill>
-                  <a:srgbClr val="ffffff"/>
-                </a:solidFill>
-                <a:latin typeface="맑은 고딕"/>
-              </a:rPr>
-              <a:t>-&gt;</a:t>
-            </a:r>
-            <a:r>
-              <a:rPr xmlns:mc="http://schemas.openxmlformats.org/markup-compatibility/2006" xmlns:hp="http://schemas.haansoft.com/office/presentation/8.0" kumimoji="0" lang="ko-KR" altLang="en-US" sz="1800" b="0" i="0" u="none" strike="noStrike" kern="1200" cap="none" spc="0" normalizeH="0" baseline="0" mc:Ignorable="hp" hp:hslEmbossed="0">
-                <a:solidFill>
-                  <a:srgbClr val="ffffff"/>
-                </a:solidFill>
-                <a:latin typeface="맑은 고딕"/>
-              </a:rPr>
-              <a:t> </a:t>
-            </a:r>
-            <a:r>
-              <a:rPr xmlns:mc="http://schemas.openxmlformats.org/markup-compatibility/2006" xmlns:hp="http://schemas.haansoft.com/office/presentation/8.0" kumimoji="0" lang="en-US" altLang="ko-KR" sz="1800" b="0" i="0" u="none" strike="noStrike" kern="1200" cap="none" spc="0" normalizeH="0" baseline="0" mc:Ignorable="hp" hp:hslEmbossed="0">
-                <a:solidFill>
-                  <a:srgbClr val="ffffff"/>
-                </a:solidFill>
-                <a:latin typeface="맑은 고딕"/>
-              </a:rPr>
-              <a:t>Create Empty</a:t>
-            </a:r>
-            <a:endParaRPr xmlns:mc="http://schemas.openxmlformats.org/markup-compatibility/2006" xmlns:hp="http://schemas.haansoft.com/office/presentation/8.0" kumimoji="0" lang="ko-KR" altLang="en-US" sz="1800" b="0" i="0" u="none" strike="noStrike" kern="1200" cap="none" spc="0" normalizeH="0" baseline="0" mc:Ignorable="hp" hp:hslEmbossed="0">
-              <a:solidFill>
-                <a:srgbClr val="ffffff"/>
-              </a:solidFill>
-              <a:latin typeface="맑은 고딕"/>
-            </a:endParaRPr>
-          </a:p>
-        </p:txBody>
-      </p:sp>
-    </p:spTree>
-    <p:extLst>
-      <p:ext uri="{BB962C8B-B14F-4D97-AF65-F5344CB8AC3E}">
-        <p14:creationId xmlns:p14="http://schemas.microsoft.com/office/powerpoint/2010/main" val="2956622868"/>
-      </p:ext>
-    </p:extLst>
-  </p:cSld>
-  <p:clrMapOvr>
-    <a:masterClrMapping/>
-  </p:clrMapOvr>
-  <mc:AlternateContent xmlns:mc="http://schemas.openxmlformats.org/markup-compatibility/2006">
-    <mc:Choice xmlns:p14="http://schemas.microsoft.com/office/powerpoint/2010/main" Requires="p14">
-      <p:transition xmlns:mc="http://schemas.openxmlformats.org/markup-compatibility/2006" xmlns:p14="http://schemas.microsoft.com/office/powerpoint/2010/main" mc:Ignorable="p14" p14:dur="500"/>
-    </mc:Choice>
-    <mc:Fallback>
-      <p:transition/>
-    </mc:Fallback>
-  </mc:AlternateContent>
-</p:sld>
-</file>
-
-<file path=ppt/slides/slide18.xml><?xml version="1.0" encoding="utf-8"?>
-<p:sld xmlns:r="http://schemas.openxmlformats.org/officeDocument/2006/relationships" xmlns:c="http://schemas.openxmlformats.org/drawingml/2006/chart" xmlns:a="http://schemas.openxmlformats.org/drawingml/2006/main" xmlns:dgm="http://schemas.openxmlformats.org/drawingml/2006/diagram" xmlns:dsp="http://schemas.microsoft.com/office/drawing/2008/diagram" xmlns:p="http://schemas.openxmlformats.org/presentationml/2006/main">
-  <p:cSld>
-    <p:spTree>
-      <p:nvGrpSpPr>
-        <p:cNvPr id="1" name=""/>
-        <p:cNvGrpSpPr/>
-        <p:nvPr/>
-      </p:nvGrpSpPr>
-      <p:grpSpPr>
-        <a:xfrm>
-          <a:off x="0" y="0"/>
-          <a:ext cx="0" cy="0"/>
-          <a:chOff x="0" y="0"/>
-          <a:chExt cx="0" cy="0"/>
-        </a:xfrm>
-      </p:grpSpPr>
-      <p:pic>
-        <p:nvPicPr>
-          <p:cNvPr id="4" name=""/>
-          <p:cNvPicPr>
-            <a:picLocks noChangeAspect="1"/>
-          </p:cNvPicPr>
-          <p:nvPr/>
-        </p:nvPicPr>
-        <p:blipFill rotWithShape="1">
-          <a:blip r:embed="rId2"/>
-          <a:stretch>
-            <a:fillRect/>
-          </a:stretch>
-        </p:blipFill>
-        <p:spPr>
-          <a:xfrm>
-            <a:off x="0" y="322881"/>
-            <a:ext cx="12192000" cy="6212237"/>
-          </a:xfrm>
-          <a:prstGeom prst="rect">
-            <a:avLst/>
-          </a:prstGeom>
-        </p:spPr>
-      </p:pic>
-      <p:sp>
-        <p:nvSpPr>
-          <p:cNvPr id="5" name=""/>
-          <p:cNvSpPr/>
-          <p:nvPr/>
-        </p:nvSpPr>
-        <p:spPr>
-          <a:xfrm>
-            <a:off x="318377" y="1028700"/>
-            <a:ext cx="648510" cy="192526"/>
-          </a:xfrm>
-          <a:prstGeom prst="rect">
-            <a:avLst/>
-          </a:prstGeom>
-          <a:noFill/>
-          <a:ln w="76200" cap="flat" cmpd="sng" algn="ctr">
-            <a:solidFill>
-              <a:srgbClr val="ff0000">
-                <a:alpha val="100000"/>
-              </a:srgbClr>
-            </a:solidFill>
-            <a:prstDash val="solid"/>
-          </a:ln>
-        </p:spPr>
-        <p:txBody>
-          <a:bodyPr anchor="ctr"/>
-          <a:p>
-            <a:pPr marL="0" indent="0" algn="ctr" defTabSz="914400" rtl="0" eaLnBrk="1" latinLnBrk="1" hangingPunct="1">
-              <a:lnSpc>
-                <a:spcPct val="100000"/>
-              </a:lnSpc>
-              <a:spcBef>
-                <a:spcPct val="0"/>
-              </a:spcBef>
-              <a:spcAft>
-                <a:spcPts val="0"/>
-              </a:spcAft>
-              <a:buNone/>
-              <a:defRPr/>
-            </a:pPr>
-            <a:endParaRPr xmlns:mc="http://schemas.openxmlformats.org/markup-compatibility/2006" xmlns:hp="http://schemas.haansoft.com/office/presentation/8.0" kumimoji="0" lang="ko-KR" altLang="en-US" sz="1800" b="0" i="0" u="none" strike="noStrike" kern="1200" cap="none" spc="0" normalizeH="0" baseline="0" mc:Ignorable="hp" hp:hslEmbossed="0">
-              <a:solidFill>
-                <a:srgbClr val="ffffff"/>
-              </a:solidFill>
-              <a:latin typeface="Calibri"/>
-              <a:ea typeface="맑은 고딕"/>
-              <a:cs typeface="맑은 고딕"/>
-            </a:endParaRPr>
-          </a:p>
-        </p:txBody>
-      </p:sp>
-      <p:sp>
-        <p:nvSpPr>
-          <p:cNvPr id="6" name=""/>
-          <p:cNvSpPr txBox="1"/>
-          <p:nvPr/>
-        </p:nvSpPr>
-        <p:spPr>
-          <a:xfrm>
-            <a:off x="186740" y="1382137"/>
-            <a:ext cx="2458888" cy="367139"/>
-          </a:xfrm>
-          <a:prstGeom prst="rect">
-            <a:avLst/>
-          </a:prstGeom>
-        </p:spPr>
-        <p:txBody>
-          <a:bodyPr wrap="square">
-            <a:spAutoFit/>
-          </a:bodyPr>
-          <a:p>
-            <a:pPr marL="0" indent="0" algn="l" defTabSz="914400" rtl="0" eaLnBrk="1" latinLnBrk="1" hangingPunct="1">
-              <a:lnSpc>
-                <a:spcPct val="100000"/>
-              </a:lnSpc>
-              <a:spcBef>
-                <a:spcPct val="0"/>
-              </a:spcBef>
-              <a:spcAft>
-                <a:spcPts val="0"/>
-              </a:spcAft>
-              <a:buNone/>
-              <a:defRPr/>
-            </a:pPr>
-            <a:r>
-              <a:rPr xmlns:mc="http://schemas.openxmlformats.org/markup-compatibility/2006" xmlns:hp="http://schemas.haansoft.com/office/presentation/8.0" kumimoji="0" lang="en-US" altLang="ko-KR" sz="1800" b="0" i="0" u="none" strike="noStrike" kern="1200" cap="none" spc="0" normalizeH="0" baseline="0" mc:Ignorable="hp" hp:hslEmbossed="0">
-                <a:solidFill>
-                  <a:srgbClr val="ffffff"/>
-                </a:solidFill>
-                <a:latin typeface="맑은 고딕"/>
-              </a:rPr>
-              <a:t>1.</a:t>
-            </a:r>
-            <a:r>
-              <a:rPr xmlns:mc="http://schemas.openxmlformats.org/markup-compatibility/2006" xmlns:hp="http://schemas.haansoft.com/office/presentation/8.0" kumimoji="0" lang="ko-KR" altLang="en-US" sz="1800" b="0" i="0" u="none" strike="noStrike" kern="1200" cap="none" spc="0" normalizeH="0" baseline="0" mc:Ignorable="hp" hp:hslEmbossed="0">
-                <a:solidFill>
-                  <a:srgbClr val="ffffff"/>
-                </a:solidFill>
-                <a:latin typeface="맑은 고딕"/>
-              </a:rPr>
-              <a:t> 더블클릭</a:t>
-            </a:r>
-            <a:endParaRPr xmlns:mc="http://schemas.openxmlformats.org/markup-compatibility/2006" xmlns:hp="http://schemas.haansoft.com/office/presentation/8.0" kumimoji="0" lang="ko-KR" altLang="en-US" sz="1800" b="0" i="0" u="none" strike="noStrike" kern="1200" cap="none" spc="0" normalizeH="0" baseline="0" mc:Ignorable="hp" hp:hslEmbossed="0">
-              <a:solidFill>
-                <a:srgbClr val="ffffff"/>
-              </a:solidFill>
-              <a:latin typeface="맑은 고딕"/>
-            </a:endParaRPr>
-          </a:p>
-        </p:txBody>
-      </p:sp>
-      <p:sp>
-        <p:nvSpPr>
-          <p:cNvPr id="7" name=""/>
-          <p:cNvSpPr/>
-          <p:nvPr/>
-        </p:nvSpPr>
-        <p:spPr>
-          <a:xfrm>
-            <a:off x="1870344" y="4494584"/>
-            <a:ext cx="466116" cy="597845"/>
-          </a:xfrm>
-          <a:prstGeom prst="rect">
-            <a:avLst/>
-          </a:prstGeom>
-          <a:noFill/>
-          <a:ln w="76200" cap="flat" cmpd="sng" algn="ctr">
-            <a:solidFill>
-              <a:srgbClr val="ff0000">
-                <a:alpha val="100000"/>
-              </a:srgbClr>
-            </a:solidFill>
-            <a:prstDash val="solid"/>
-          </a:ln>
-        </p:spPr>
-        <p:txBody>
-          <a:bodyPr anchor="ctr"/>
-          <a:p>
-            <a:pPr marL="0" indent="0" algn="ctr" defTabSz="914400" rtl="0" eaLnBrk="1" latinLnBrk="1" hangingPunct="1">
-              <a:lnSpc>
-                <a:spcPct val="100000"/>
-              </a:lnSpc>
-              <a:spcBef>
-                <a:spcPct val="0"/>
-              </a:spcBef>
-              <a:spcAft>
-                <a:spcPts val="0"/>
-              </a:spcAft>
-              <a:buNone/>
-              <a:defRPr/>
-            </a:pPr>
-            <a:endParaRPr xmlns:mc="http://schemas.openxmlformats.org/markup-compatibility/2006" xmlns:hp="http://schemas.haansoft.com/office/presentation/8.0" kumimoji="0" lang="ko-KR" altLang="en-US" sz="1800" b="0" i="0" u="none" strike="noStrike" kern="1200" cap="none" spc="0" normalizeH="0" baseline="0" mc:Ignorable="hp" hp:hslEmbossed="0">
-              <a:solidFill>
-                <a:srgbClr val="ffffff"/>
-              </a:solidFill>
-              <a:latin typeface="Calibri"/>
-              <a:ea typeface="맑은 고딕"/>
-              <a:cs typeface="맑은 고딕"/>
-            </a:endParaRPr>
-          </a:p>
-        </p:txBody>
-      </p:sp>
-      <p:sp>
-        <p:nvSpPr>
-          <p:cNvPr id="8" name=""/>
-          <p:cNvSpPr txBox="1"/>
-          <p:nvPr/>
-        </p:nvSpPr>
-        <p:spPr>
-          <a:xfrm>
-            <a:off x="2645628" y="4725290"/>
-            <a:ext cx="2458888" cy="367139"/>
-          </a:xfrm>
-          <a:prstGeom prst="rect">
-            <a:avLst/>
-          </a:prstGeom>
-        </p:spPr>
-        <p:txBody>
-          <a:bodyPr wrap="square">
-            <a:spAutoFit/>
-          </a:bodyPr>
-          <a:p>
-            <a:pPr marL="0" indent="0" algn="l" defTabSz="914400" rtl="0" eaLnBrk="1" latinLnBrk="1" hangingPunct="1">
-              <a:lnSpc>
-                <a:spcPct val="100000"/>
-              </a:lnSpc>
-              <a:spcBef>
-                <a:spcPct val="0"/>
-              </a:spcBef>
-              <a:spcAft>
-                <a:spcPts val="0"/>
-              </a:spcAft>
-              <a:buNone/>
-              <a:defRPr/>
-            </a:pPr>
-            <a:r>
-              <a:rPr xmlns:mc="http://schemas.openxmlformats.org/markup-compatibility/2006" xmlns:hp="http://schemas.haansoft.com/office/presentation/8.0" kumimoji="0" lang="en-US" altLang="ko-KR" sz="1800" b="0" i="0" u="none" strike="noStrike" kern="1200" cap="none" spc="0" normalizeH="0" baseline="0" mc:Ignorable="hp" hp:hslEmbossed="0">
-                <a:solidFill>
-                  <a:srgbClr val="ffffff"/>
-                </a:solidFill>
-                <a:latin typeface="맑은 고딕"/>
-              </a:rPr>
-              <a:t>2.</a:t>
-            </a:r>
-            <a:r>
-              <a:rPr xmlns:mc="http://schemas.openxmlformats.org/markup-compatibility/2006" xmlns:hp="http://schemas.haansoft.com/office/presentation/8.0" kumimoji="0" lang="ko-KR" altLang="en-US" sz="1800" b="0" i="0" u="none" strike="noStrike" kern="1200" cap="none" spc="0" normalizeH="0" baseline="0" mc:Ignorable="hp" hp:hslEmbossed="0">
-                <a:solidFill>
-                  <a:srgbClr val="ffffff"/>
-                </a:solidFill>
-                <a:latin typeface="맑은 고딕"/>
-              </a:rPr>
-              <a:t> 드래그 앤 드롭</a:t>
-            </a:r>
-            <a:endParaRPr xmlns:mc="http://schemas.openxmlformats.org/markup-compatibility/2006" xmlns:hp="http://schemas.haansoft.com/office/presentation/8.0" kumimoji="0" lang="ko-KR" altLang="en-US" sz="1800" b="0" i="0" u="none" strike="noStrike" kern="1200" cap="none" spc="0" normalizeH="0" baseline="0" mc:Ignorable="hp" hp:hslEmbossed="0">
-              <a:solidFill>
-                <a:srgbClr val="ffffff"/>
-              </a:solidFill>
-              <a:latin typeface="맑은 고딕"/>
-            </a:endParaRPr>
-          </a:p>
-        </p:txBody>
-      </p:sp>
-      <p:cxnSp>
-        <p:nvCxnSpPr>
-          <p:cNvPr id="9" name=""/>
-          <p:cNvCxnSpPr>
-            <a:stCxn id="8" idx="3"/>
-          </p:cNvCxnSpPr>
-          <p:nvPr/>
-        </p:nvCxnSpPr>
-        <p:spPr>
-          <a:xfrm flipV="1">
-            <a:off x="5104517" y="2131978"/>
-            <a:ext cx="5267600" cy="2776881"/>
-          </a:xfrm>
-          <a:prstGeom prst="straightConnector1">
-            <a:avLst/>
-          </a:prstGeom>
-          <a:ln>
-            <a:solidFill>
-              <a:srgbClr val="ff0000"/>
-            </a:solidFill>
-            <a:tailEnd type="arrow"/>
-          </a:ln>
-        </p:spPr>
-        <p:style>
-          <a:lnRef idx="1">
-            <a:schemeClr val="accent1"/>
-          </a:lnRef>
-          <a:fillRef idx="0">
-            <a:schemeClr val="accent1"/>
-          </a:fillRef>
-          <a:effectRef idx="0">
-            <a:schemeClr val="accent1"/>
-          </a:effectRef>
-          <a:fontRef idx="minor">
-            <a:schemeClr val="tx1"/>
-          </a:fontRef>
-        </p:style>
-      </p:cxnSp>
-      <p:sp>
-        <p:nvSpPr>
-          <p:cNvPr id="10" name=""/>
-          <p:cNvSpPr/>
-          <p:nvPr/>
-        </p:nvSpPr>
-        <p:spPr>
-          <a:xfrm>
-            <a:off x="5786741" y="332406"/>
-            <a:ext cx="233058" cy="149461"/>
-          </a:xfrm>
-          <a:prstGeom prst="rect">
-            <a:avLst/>
-          </a:prstGeom>
-          <a:noFill/>
-          <a:ln w="76200" cap="flat" cmpd="sng" algn="ctr">
-            <a:solidFill>
-              <a:srgbClr val="ff0000">
-                <a:alpha val="100000"/>
-              </a:srgbClr>
-            </a:solidFill>
-            <a:prstDash val="solid"/>
-          </a:ln>
-        </p:spPr>
-        <p:txBody>
-          <a:bodyPr anchor="ctr"/>
-          <a:p>
-            <a:pPr marL="0" indent="0" algn="ctr" defTabSz="914400" rtl="0" eaLnBrk="1" latinLnBrk="1" hangingPunct="1">
-              <a:lnSpc>
-                <a:spcPct val="100000"/>
-              </a:lnSpc>
-              <a:spcBef>
-                <a:spcPct val="0"/>
-              </a:spcBef>
-              <a:spcAft>
-                <a:spcPts val="0"/>
-              </a:spcAft>
-              <a:buNone/>
-              <a:defRPr/>
-            </a:pPr>
-            <a:endParaRPr xmlns:mc="http://schemas.openxmlformats.org/markup-compatibility/2006" xmlns:hp="http://schemas.haansoft.com/office/presentation/8.0" kumimoji="0" lang="ko-KR" altLang="en-US" sz="1800" b="0" i="0" u="none" strike="noStrike" kern="1200" cap="none" spc="0" normalizeH="0" baseline="0" mc:Ignorable="hp" hp:hslEmbossed="0">
-              <a:solidFill>
-                <a:srgbClr val="ffffff"/>
-              </a:solidFill>
-              <a:latin typeface="Calibri"/>
-              <a:ea typeface="맑은 고딕"/>
-              <a:cs typeface="맑은 고딕"/>
-            </a:endParaRPr>
-          </a:p>
-        </p:txBody>
-      </p:sp>
-      <p:sp>
-        <p:nvSpPr>
-          <p:cNvPr id="11" name=""/>
-          <p:cNvSpPr txBox="1"/>
-          <p:nvPr/>
-        </p:nvSpPr>
-        <p:spPr>
-          <a:xfrm>
-            <a:off x="5289562" y="740678"/>
-            <a:ext cx="3735642" cy="641459"/>
-          </a:xfrm>
-          <a:prstGeom prst="rect">
-            <a:avLst/>
-          </a:prstGeom>
-        </p:spPr>
-        <p:txBody>
-          <a:bodyPr wrap="square">
-            <a:spAutoFit/>
-          </a:bodyPr>
-          <a:p>
-            <a:pPr marL="0" indent="0" algn="l" defTabSz="914400" rtl="0" eaLnBrk="1" latinLnBrk="1" hangingPunct="1">
-              <a:lnSpc>
-                <a:spcPct val="100000"/>
-              </a:lnSpc>
-              <a:spcBef>
-                <a:spcPct val="0"/>
-              </a:spcBef>
-              <a:spcAft>
-                <a:spcPts val="0"/>
-              </a:spcAft>
-              <a:buNone/>
-              <a:defRPr/>
-            </a:pPr>
-            <a:r>
-              <a:rPr xmlns:mc="http://schemas.openxmlformats.org/markup-compatibility/2006" xmlns:hp="http://schemas.haansoft.com/office/presentation/8.0" kumimoji="0" lang="en-US" altLang="ko-KR" sz="1800" b="0" i="0" u="none" strike="noStrike" kern="1200" cap="none" spc="0" normalizeH="0" baseline="0" mc:Ignorable="hp" hp:hslEmbossed="0">
-                <a:solidFill>
-                  <a:srgbClr val="ff0000"/>
-                </a:solidFill>
-                <a:latin typeface="맑은 고딕"/>
-              </a:rPr>
-              <a:t>3.</a:t>
-            </a:r>
-            <a:r>
-              <a:rPr xmlns:mc="http://schemas.openxmlformats.org/markup-compatibility/2006" xmlns:hp="http://schemas.haansoft.com/office/presentation/8.0" kumimoji="0" lang="ko-KR" altLang="en-US" sz="1800" b="0" i="0" u="none" strike="noStrike" kern="1200" cap="none" spc="0" normalizeH="0" baseline="0" mc:Ignorable="hp" hp:hslEmbossed="0">
-                <a:solidFill>
-                  <a:srgbClr val="ff0000"/>
-                </a:solidFill>
-                <a:latin typeface="맑은 고딕"/>
-              </a:rPr>
-              <a:t> </a:t>
-            </a:r>
-            <a:r>
-              <a:rPr xmlns:mc="http://schemas.openxmlformats.org/markup-compatibility/2006" xmlns:hp="http://schemas.haansoft.com/office/presentation/8.0" kumimoji="0" lang="en-US" altLang="ko-KR" sz="1800" b="0" i="0" u="none" strike="noStrike" kern="1200" cap="none" spc="0" normalizeH="0" baseline="0" mc:Ignorable="hp" hp:hslEmbossed="0">
-                <a:solidFill>
-                  <a:srgbClr val="ff0000"/>
-                </a:solidFill>
-                <a:latin typeface="맑은 고딕"/>
-              </a:rPr>
-              <a:t>Play</a:t>
-            </a:r>
-            <a:r>
-              <a:rPr xmlns:mc="http://schemas.openxmlformats.org/markup-compatibility/2006" xmlns:hp="http://schemas.haansoft.com/office/presentation/8.0" kumimoji="0" lang="ko-KR" altLang="en-US" sz="1800" b="0" i="0" u="none" strike="noStrike" kern="1200" cap="none" spc="0" normalizeH="0" baseline="0" mc:Ignorable="hp" hp:hslEmbossed="0">
-                <a:solidFill>
-                  <a:srgbClr val="ff0000"/>
-                </a:solidFill>
-                <a:latin typeface="맑은 고딕"/>
-              </a:rPr>
-              <a:t>버튼 클릭 후</a:t>
-            </a:r>
-            <a:endParaRPr xmlns:mc="http://schemas.openxmlformats.org/markup-compatibility/2006" xmlns:hp="http://schemas.haansoft.com/office/presentation/8.0" kumimoji="0" lang="ko-KR" altLang="en-US" sz="1800" b="0" i="0" u="none" strike="noStrike" kern="1200" cap="none" spc="0" normalizeH="0" baseline="0" mc:Ignorable="hp" hp:hslEmbossed="0">
-              <a:solidFill>
-                <a:srgbClr val="ff0000"/>
-              </a:solidFill>
-              <a:latin typeface="맑은 고딕"/>
-            </a:endParaRPr>
-          </a:p>
-          <a:p>
-            <a:pPr marL="0" indent="0" algn="l" defTabSz="914400" rtl="0" eaLnBrk="1" latinLnBrk="1" hangingPunct="1">
-              <a:lnSpc>
-                <a:spcPct val="100000"/>
-              </a:lnSpc>
-              <a:spcBef>
-                <a:spcPct val="0"/>
-              </a:spcBef>
-              <a:spcAft>
-                <a:spcPts val="0"/>
-              </a:spcAft>
-              <a:buNone/>
-              <a:defRPr/>
-            </a:pPr>
-            <a:r>
-              <a:rPr xmlns:mc="http://schemas.openxmlformats.org/markup-compatibility/2006" xmlns:hp="http://schemas.haansoft.com/office/presentation/8.0" kumimoji="0" lang="ko-KR" altLang="en-US" sz="1800" b="0" i="0" u="none" strike="noStrike" kern="1200" cap="none" spc="0" normalizeH="0" baseline="0" mc:Ignorable="hp" hp:hslEmbossed="0">
-                <a:solidFill>
-                  <a:srgbClr val="ff0000"/>
-                </a:solidFill>
-                <a:latin typeface="맑은 고딕"/>
-              </a:rPr>
-              <a:t>   </a:t>
-            </a:r>
-            <a:r>
-              <a:rPr xmlns:mc="http://schemas.openxmlformats.org/markup-compatibility/2006" xmlns:hp="http://schemas.haansoft.com/office/presentation/8.0" kumimoji="0" lang="en-US" altLang="ko-KR" sz="1800" b="0" i="0" u="none" strike="noStrike" kern="1200" cap="none" spc="0" normalizeH="0" baseline="0" mc:Ignorable="hp" hp:hslEmbossed="0">
-                <a:solidFill>
-                  <a:srgbClr val="ff0000"/>
-                </a:solidFill>
-                <a:latin typeface="맑은 고딕"/>
-              </a:rPr>
-              <a:t>ctrl + shift + c</a:t>
-            </a:r>
-            <a:r>
-              <a:rPr xmlns:mc="http://schemas.openxmlformats.org/markup-compatibility/2006" xmlns:hp="http://schemas.haansoft.com/office/presentation/8.0" kumimoji="0" lang="ko-KR" altLang="en-US" sz="1800" b="0" i="0" u="none" strike="noStrike" kern="1200" cap="none" spc="0" normalizeH="0" baseline="0" mc:Ignorable="hp" hp:hslEmbossed="0">
-                <a:solidFill>
-                  <a:srgbClr val="ff0000"/>
-                </a:solidFill>
-                <a:latin typeface="맑은 고딕"/>
-              </a:rPr>
-              <a:t>로 콘솔창열기</a:t>
-            </a:r>
-            <a:endParaRPr xmlns:mc="http://schemas.openxmlformats.org/markup-compatibility/2006" xmlns:hp="http://schemas.haansoft.com/office/presentation/8.0" kumimoji="0" lang="ko-KR" altLang="en-US" sz="1800" b="0" i="0" u="none" strike="noStrike" kern="1200" cap="none" spc="0" normalizeH="0" baseline="0" mc:Ignorable="hp" hp:hslEmbossed="0">
-              <a:solidFill>
-                <a:srgbClr val="ff0000"/>
-              </a:solidFill>
-              <a:latin typeface="맑은 고딕"/>
-            </a:endParaRPr>
-          </a:p>
-        </p:txBody>
-      </p:sp>
-    </p:spTree>
-    <p:extLst>
-      <p:ext uri="{BB962C8B-B14F-4D97-AF65-F5344CB8AC3E}">
-        <p14:creationId xmlns:p14="http://schemas.microsoft.com/office/powerpoint/2010/main" val="2612457048"/>
-      </p:ext>
-    </p:extLst>
-  </p:cSld>
-  <p:clrMapOvr>
-    <a:masterClrMapping/>
-  </p:clrMapOvr>
-  <mc:AlternateContent xmlns:mc="http://schemas.openxmlformats.org/markup-compatibility/2006">
-    <mc:Choice xmlns:p14="http://schemas.microsoft.com/office/powerpoint/2010/main" Requires="p14">
-      <p:transition xmlns:mc="http://schemas.openxmlformats.org/markup-compatibility/2006" xmlns:p14="http://schemas.microsoft.com/office/powerpoint/2010/main" mc:Ignorable="p14" p14:dur="500"/>
-    </mc:Choice>
-    <mc:Fallback>
-      <p:transition/>
-    </mc:Fallback>
-  </mc:AlternateContent>
-</p:sld>
-</file>
-
-<file path=ppt/slides/slide19.xml><?xml version="1.0" encoding="utf-8"?>
-<p:sld xmlns:r="http://schemas.openxmlformats.org/officeDocument/2006/relationships" xmlns:c="http://schemas.openxmlformats.org/drawingml/2006/chart" xmlns:a="http://schemas.openxmlformats.org/drawingml/2006/main" xmlns:dgm="http://schemas.openxmlformats.org/drawingml/2006/diagram" xmlns:dsp="http://schemas.microsoft.com/office/drawing/2008/diagram" xmlns:p="http://schemas.openxmlformats.org/presentationml/2006/main">
-  <p:cSld>
-    <p:spTree>
-      <p:nvGrpSpPr>
-        <p:cNvPr id="1" name=""/>
-        <p:cNvGrpSpPr/>
-        <p:nvPr/>
-      </p:nvGrpSpPr>
-      <p:grpSpPr>
-        <a:xfrm>
-          <a:off x="0" y="0"/>
-          <a:ext cx="0" cy="0"/>
-          <a:chOff x="0" y="0"/>
-          <a:chExt cx="0" cy="0"/>
-        </a:xfrm>
-      </p:grpSpPr>
-      <p:pic>
-        <p:nvPicPr>
-          <p:cNvPr id="4" name=""/>
-          <p:cNvPicPr>
-            <a:picLocks noChangeAspect="1"/>
-          </p:cNvPicPr>
-          <p:nvPr/>
-        </p:nvPicPr>
-        <p:blipFill rotWithShape="1">
-          <a:blip r:embed="rId2"/>
-          <a:stretch>
-            <a:fillRect/>
-          </a:stretch>
-        </p:blipFill>
-        <p:spPr>
-          <a:xfrm>
-            <a:off x="4686300" y="1557337"/>
-            <a:ext cx="2819400" cy="3743325"/>
-          </a:xfrm>
-          <a:prstGeom prst="rect">
-            <a:avLst/>
-          </a:prstGeom>
-        </p:spPr>
-      </p:pic>
-      <p:sp>
-        <p:nvSpPr>
-          <p:cNvPr id="5" name=""/>
-          <p:cNvSpPr txBox="1"/>
-          <p:nvPr/>
-        </p:nvSpPr>
-        <p:spPr>
-          <a:xfrm>
-            <a:off x="7808467" y="1557337"/>
-            <a:ext cx="2546870" cy="363085"/>
-          </a:xfrm>
-          <a:prstGeom prst="rect">
-            <a:avLst/>
-          </a:prstGeom>
-        </p:spPr>
-        <p:txBody>
-          <a:bodyPr wrap="none">
-            <a:spAutoFit/>
-          </a:bodyPr>
-          <a:p>
-            <a:pPr>
-              <a:defRPr/>
-            </a:pPr>
-            <a:r>
-              <a:rPr lang="en-US" altLang="ko-KR"/>
-              <a:t>Hello Unity </a:t>
-            </a:r>
-            <a:r>
-              <a:rPr lang="ko-KR" altLang="en-US"/>
-              <a:t>찍힌 것 확인</a:t>
-            </a:r>
-            <a:endParaRPr lang="ko-KR" altLang="en-US"/>
-          </a:p>
-        </p:txBody>
-      </p:sp>
-    </p:spTree>
-    <p:extLst>
-      <p:ext uri="{BB962C8B-B14F-4D97-AF65-F5344CB8AC3E}">
-        <p14:creationId xmlns:p14="http://schemas.microsoft.com/office/powerpoint/2010/main" val="3942121094"/>
-      </p:ext>
-    </p:extLst>
-  </p:cSld>
-  <p:clrMapOvr>
-    <a:masterClrMapping/>
-  </p:clrMapOvr>
-  <mc:AlternateContent xmlns:mc="http://schemas.openxmlformats.org/markup-compatibility/2006">
-    <mc:Choice xmlns:p14="http://schemas.microsoft.com/office/powerpoint/2010/main" Requires="p14">
-      <p:transition xmlns:mc="http://schemas.openxmlformats.org/markup-compatibility/2006" xmlns:p14="http://schemas.microsoft.com/office/powerpoint/2010/main" mc:Ignorable="p14" p14:dur="500"/>
-    </mc:Choice>
-    <mc:Fallback>
-      <p:transition/>
-    </mc:Fallback>
-  </mc:AlternateContent>
-</p:sld>
-</file>
-
 <file path=ppt/slides/slide2.xml><?xml version="1.0" encoding="utf-8"?>
 <p:sld xmlns:r="http://schemas.openxmlformats.org/officeDocument/2006/relationships" xmlns:c="http://schemas.openxmlformats.org/drawingml/2006/chart" xmlns:a="http://schemas.openxmlformats.org/drawingml/2006/main" xmlns:dgm="http://schemas.openxmlformats.org/drawingml/2006/diagram" xmlns:dsp="http://schemas.microsoft.com/office/drawing/2008/diagram" xmlns:p="http://schemas.openxmlformats.org/presentationml/2006/main">
   <p:cSld>
@@ -6125,436 +4101,6 @@
     <p:extLst>
       <p:ext uri="{BB962C8B-B14F-4D97-AF65-F5344CB8AC3E}">
         <p14:creationId xmlns:p14="http://schemas.microsoft.com/office/powerpoint/2010/main" val="942954803"/>
-      </p:ext>
-    </p:extLst>
-  </p:cSld>
-  <p:clrMapOvr>
-    <a:masterClrMapping/>
-  </p:clrMapOvr>
-  <mc:AlternateContent xmlns:mc="http://schemas.openxmlformats.org/markup-compatibility/2006">
-    <mc:Choice xmlns:p14="http://schemas.microsoft.com/office/powerpoint/2010/main" Requires="p14">
-      <p:transition xmlns:mc="http://schemas.openxmlformats.org/markup-compatibility/2006" xmlns:p14="http://schemas.microsoft.com/office/powerpoint/2010/main" mc:Ignorable="p14" p14:dur="500"/>
-    </mc:Choice>
-    <mc:Fallback>
-      <p:transition/>
-    </mc:Fallback>
-  </mc:AlternateContent>
-</p:sld>
-</file>
-
-<file path=ppt/slides/slide6.xml><?xml version="1.0" encoding="utf-8"?>
-<p:sld xmlns:r="http://schemas.openxmlformats.org/officeDocument/2006/relationships" xmlns:c="http://schemas.openxmlformats.org/drawingml/2006/chart" xmlns:a="http://schemas.openxmlformats.org/drawingml/2006/main" xmlns:dgm="http://schemas.openxmlformats.org/drawingml/2006/diagram" xmlns:dsp="http://schemas.microsoft.com/office/drawing/2008/diagram" xmlns:p="http://schemas.openxmlformats.org/presentationml/2006/main">
-  <p:cSld>
-    <p:spTree>
-      <p:nvGrpSpPr>
-        <p:cNvPr id="1" name=""/>
-        <p:cNvGrpSpPr/>
-        <p:nvPr/>
-      </p:nvGrpSpPr>
-      <p:grpSpPr>
-        <a:xfrm>
-          <a:off x="0" y="0"/>
-          <a:ext cx="0" cy="0"/>
-          <a:chOff x="0" y="0"/>
-          <a:chExt cx="0" cy="0"/>
-        </a:xfrm>
-      </p:grpSpPr>
-      <p:sp>
-        <p:nvSpPr>
-          <p:cNvPr id="2" name="제목 1"/>
-          <p:cNvSpPr>
-            <a:spLocks noGrp="1"/>
-          </p:cNvSpPr>
-          <p:nvPr>
-            <p:ph type="ctrTitle" idx="0"/>
-          </p:nvPr>
-        </p:nvSpPr>
-        <p:spPr>
-          <a:xfrm>
-            <a:off x="914401" y="2693987"/>
-            <a:ext cx="10363198" cy="1470025"/>
-          </a:xfrm>
-        </p:spPr>
-        <p:txBody>
-          <a:bodyPr/>
-          <a:p>
-            <a:pPr>
-              <a:defRPr/>
-            </a:pPr>
-            <a:r>
-              <a:rPr lang="en-US" altLang="ko-KR">
-                <a:latin typeface="맑은 고딕"/>
-              </a:rPr>
-              <a:t>Unity </a:t>
-            </a:r>
-            <a:r>
-              <a:rPr lang="ko-KR" altLang="en-US">
-                <a:latin typeface="맑은 고딕"/>
-              </a:rPr>
-              <a:t>환경설정</a:t>
-            </a:r>
-            <a:endParaRPr lang="ko-KR" altLang="en-US">
-              <a:latin typeface="맑은 고딕"/>
-            </a:endParaRPr>
-          </a:p>
-        </p:txBody>
-      </p:sp>
-    </p:spTree>
-    <p:extLst>
-      <p:ext uri="{BB962C8B-B14F-4D97-AF65-F5344CB8AC3E}">
-        <p14:creationId xmlns:p14="http://schemas.microsoft.com/office/powerpoint/2010/main" val="971352627"/>
-      </p:ext>
-    </p:extLst>
-  </p:cSld>
-  <p:clrMapOvr>
-    <a:masterClrMapping/>
-  </p:clrMapOvr>
-  <mc:AlternateContent xmlns:mc="http://schemas.openxmlformats.org/markup-compatibility/2006">
-    <mc:Choice xmlns:p14="http://schemas.microsoft.com/office/powerpoint/2010/main" Requires="p14">
-      <p:transition xmlns:mc="http://schemas.openxmlformats.org/markup-compatibility/2006" xmlns:p14="http://schemas.microsoft.com/office/powerpoint/2010/main" mc:Ignorable="p14" p14:dur="500"/>
-    </mc:Choice>
-    <mc:Fallback>
-      <p:transition/>
-    </mc:Fallback>
-  </mc:AlternateContent>
-</p:sld>
-</file>
-
-<file path=ppt/slides/slide7.xml><?xml version="1.0" encoding="utf-8"?>
-<p:sld xmlns:r="http://schemas.openxmlformats.org/officeDocument/2006/relationships" xmlns:c="http://schemas.openxmlformats.org/drawingml/2006/chart" xmlns:a="http://schemas.openxmlformats.org/drawingml/2006/main" xmlns:dgm="http://schemas.openxmlformats.org/drawingml/2006/diagram" xmlns:dsp="http://schemas.microsoft.com/office/drawing/2008/diagram" xmlns:p="http://schemas.openxmlformats.org/presentationml/2006/main">
-  <p:cSld>
-    <p:spTree>
-      <p:nvGrpSpPr>
-        <p:cNvPr id="1" name=""/>
-        <p:cNvGrpSpPr/>
-        <p:nvPr/>
-      </p:nvGrpSpPr>
-      <p:grpSpPr>
-        <a:xfrm>
-          <a:off x="0" y="0"/>
-          <a:ext cx="0" cy="0"/>
-          <a:chOff x="0" y="0"/>
-          <a:chExt cx="0" cy="0"/>
-        </a:xfrm>
-      </p:grpSpPr>
-      <p:sp>
-        <p:nvSpPr>
-          <p:cNvPr id="4" name=""/>
-          <p:cNvSpPr txBox="1"/>
-          <p:nvPr/>
-        </p:nvSpPr>
-        <p:spPr>
-          <a:xfrm>
-            <a:off x="824519" y="800546"/>
-            <a:ext cx="3733596" cy="359599"/>
-          </a:xfrm>
-          <a:prstGeom prst="rect">
-            <a:avLst/>
-          </a:prstGeom>
-        </p:spPr>
-        <p:txBody>
-          <a:bodyPr wrap="square">
-            <a:spAutoFit/>
-          </a:bodyPr>
-          <a:p>
-            <a:pPr>
-              <a:defRPr/>
-            </a:pPr>
-            <a:r>
-              <a:rPr lang="en-US" altLang="ko-KR">
-                <a:hlinkClick r:id="rId2"/>
-              </a:rPr>
-              <a:t>https://unity.com/kr/download</a:t>
-            </a:r>
-            <a:r>
-              <a:rPr lang="ko-KR" altLang="en-US"/>
-              <a:t> 접속</a:t>
-            </a:r>
-            <a:endParaRPr lang="ko-KR" altLang="en-US"/>
-          </a:p>
-        </p:txBody>
-      </p:sp>
-      <p:pic>
-        <p:nvPicPr>
-          <p:cNvPr id="6" name=""/>
-          <p:cNvPicPr>
-            <a:picLocks noChangeAspect="1"/>
-          </p:cNvPicPr>
-          <p:nvPr/>
-        </p:nvPicPr>
-        <p:blipFill rotWithShape="1">
-          <a:blip r:embed="rId3"/>
-          <a:stretch>
-            <a:fillRect/>
-          </a:stretch>
-        </p:blipFill>
-        <p:spPr>
-          <a:xfrm>
-            <a:off x="824519" y="1591181"/>
-            <a:ext cx="8515350" cy="4486275"/>
-          </a:xfrm>
-          <a:prstGeom prst="rect">
-            <a:avLst/>
-          </a:prstGeom>
-        </p:spPr>
-      </p:pic>
-      <p:sp>
-        <p:nvSpPr>
-          <p:cNvPr id="7" name=""/>
-          <p:cNvSpPr/>
-          <p:nvPr/>
-        </p:nvSpPr>
-        <p:spPr>
-          <a:xfrm>
-            <a:off x="1009852" y="4907808"/>
-            <a:ext cx="1768838" cy="547180"/>
-          </a:xfrm>
-          <a:prstGeom prst="rect">
-            <a:avLst/>
-          </a:prstGeom>
-          <a:noFill/>
-          <a:ln w="76200">
-            <a:solidFill>
-              <a:srgbClr val="ff0000"/>
-            </a:solidFill>
-          </a:ln>
-        </p:spPr>
-        <p:style>
-          <a:lnRef idx="2">
-            <a:schemeClr val="accent1">
-              <a:shade val="20000"/>
-            </a:schemeClr>
-          </a:lnRef>
-          <a:fillRef idx="1">
-            <a:schemeClr val="accent1"/>
-          </a:fillRef>
-          <a:effectRef idx="0">
-            <a:schemeClr val="accent1"/>
-          </a:effectRef>
-          <a:fontRef idx="minor">
-            <a:schemeClr val="lt1"/>
-          </a:fontRef>
-        </p:style>
-        <p:txBody>
-          <a:bodyPr anchor="ctr"/>
-          <a:p>
-            <a:pPr algn="ctr">
-              <a:defRPr/>
-            </a:pPr>
-            <a:endParaRPr lang="ko-KR" altLang="en-US"/>
-          </a:p>
-        </p:txBody>
-      </p:sp>
-      <p:sp>
-        <p:nvSpPr>
-          <p:cNvPr id="8" name=""/>
-          <p:cNvSpPr txBox="1"/>
-          <p:nvPr/>
-        </p:nvSpPr>
-        <p:spPr>
-          <a:xfrm>
-            <a:off x="9531080" y="5714979"/>
-            <a:ext cx="1924294" cy="362477"/>
-          </a:xfrm>
-          <a:prstGeom prst="rect">
-            <a:avLst/>
-          </a:prstGeom>
-        </p:spPr>
-        <p:txBody>
-          <a:bodyPr wrap="none">
-            <a:spAutoFit/>
-          </a:bodyPr>
-          <a:p>
-            <a:pPr>
-              <a:defRPr/>
-            </a:pPr>
-            <a:r>
-              <a:rPr lang="ko-KR" altLang="en-US"/>
-              <a:t>다운로드 후 설치</a:t>
-            </a:r>
-            <a:endParaRPr lang="ko-KR" altLang="en-US"/>
-          </a:p>
-        </p:txBody>
-      </p:sp>
-    </p:spTree>
-    <p:extLst>
-      <p:ext uri="{BB962C8B-B14F-4D97-AF65-F5344CB8AC3E}">
-        <p14:creationId xmlns:p14="http://schemas.microsoft.com/office/powerpoint/2010/main" val="2452067986"/>
-      </p:ext>
-    </p:extLst>
-  </p:cSld>
-  <p:clrMapOvr>
-    <a:masterClrMapping/>
-  </p:clrMapOvr>
-  <mc:AlternateContent xmlns:mc="http://schemas.openxmlformats.org/markup-compatibility/2006">
-    <mc:Choice xmlns:p14="http://schemas.microsoft.com/office/powerpoint/2010/main" Requires="p14">
-      <p:transition xmlns:mc="http://schemas.openxmlformats.org/markup-compatibility/2006" xmlns:p14="http://schemas.microsoft.com/office/powerpoint/2010/main" mc:Ignorable="p14" p14:dur="500"/>
-    </mc:Choice>
-    <mc:Fallback>
-      <p:transition/>
-    </mc:Fallback>
-  </mc:AlternateContent>
-</p:sld>
-</file>
-
-<file path=ppt/slides/slide8.xml><?xml version="1.0" encoding="utf-8"?>
-<p:sld xmlns:r="http://schemas.openxmlformats.org/officeDocument/2006/relationships" xmlns:c="http://schemas.openxmlformats.org/drawingml/2006/chart" xmlns:a="http://schemas.openxmlformats.org/drawingml/2006/main" xmlns:dgm="http://schemas.openxmlformats.org/drawingml/2006/diagram" xmlns:dsp="http://schemas.microsoft.com/office/drawing/2008/diagram" xmlns:p="http://schemas.openxmlformats.org/presentationml/2006/main">
-  <p:cSld>
-    <p:spTree>
-      <p:nvGrpSpPr>
-        <p:cNvPr id="1" name=""/>
-        <p:cNvGrpSpPr/>
-        <p:nvPr/>
-      </p:nvGrpSpPr>
-      <p:grpSpPr>
-        <a:xfrm>
-          <a:off x="0" y="0"/>
-          <a:ext cx="0" cy="0"/>
-          <a:chOff x="0" y="0"/>
-          <a:chExt cx="0" cy="0"/>
-        </a:xfrm>
-      </p:grpSpPr>
-      <p:pic>
-        <p:nvPicPr>
-          <p:cNvPr id="4" name=""/>
-          <p:cNvPicPr>
-            <a:picLocks noChangeAspect="1"/>
-          </p:cNvPicPr>
-          <p:nvPr/>
-        </p:nvPicPr>
-        <p:blipFill rotWithShape="1">
-          <a:blip r:embed="rId2"/>
-          <a:stretch>
-            <a:fillRect/>
-          </a:stretch>
-        </p:blipFill>
-        <p:spPr>
-          <a:xfrm>
-            <a:off x="1243012" y="590550"/>
-            <a:ext cx="9705975" cy="5676900"/>
-          </a:xfrm>
-          <a:prstGeom prst="rect">
-            <a:avLst/>
-          </a:prstGeom>
-        </p:spPr>
-      </p:pic>
-      <p:sp>
-        <p:nvSpPr>
-          <p:cNvPr id="5" name=""/>
-          <p:cNvSpPr/>
-          <p:nvPr/>
-        </p:nvSpPr>
-        <p:spPr>
-          <a:xfrm>
-            <a:off x="2945251" y="4320096"/>
-            <a:ext cx="1140593" cy="273590"/>
-          </a:xfrm>
-          <a:prstGeom prst="rect">
-            <a:avLst/>
-          </a:prstGeom>
-          <a:noFill/>
-          <a:ln w="76200" cap="flat" cmpd="sng" algn="ctr">
-            <a:solidFill>
-              <a:srgbClr val="ff0000">
-                <a:alpha val="100000"/>
-              </a:srgbClr>
-            </a:solidFill>
-            <a:prstDash val="solid"/>
-          </a:ln>
-        </p:spPr>
-        <p:txBody>
-          <a:bodyPr anchor="ctr"/>
-          <a:p>
-            <a:pPr marL="0" indent="0" algn="ctr" defTabSz="914400" rtl="0" eaLnBrk="1" latinLnBrk="1" hangingPunct="1">
-              <a:lnSpc>
-                <a:spcPct val="100000"/>
-              </a:lnSpc>
-              <a:spcBef>
-                <a:spcPct val="0"/>
-              </a:spcBef>
-              <a:spcAft>
-                <a:spcPts val="0"/>
-              </a:spcAft>
-              <a:buNone/>
-              <a:defRPr/>
-            </a:pPr>
-            <a:endParaRPr xmlns:mc="http://schemas.openxmlformats.org/markup-compatibility/2006" xmlns:hp="http://schemas.haansoft.com/office/presentation/8.0" kumimoji="0" lang="ko-KR" altLang="en-US" sz="1800" b="0" i="0" u="none" strike="noStrike" kern="1200" cap="none" spc="0" normalizeH="0" baseline="0" mc:Ignorable="hp" hp:hslEmbossed="0">
-              <a:solidFill>
-                <a:srgbClr val="ffffff"/>
-              </a:solidFill>
-              <a:latin typeface="Calibri"/>
-              <a:ea typeface="맑은 고딕"/>
-              <a:cs typeface="맑은 고딕"/>
-            </a:endParaRPr>
-          </a:p>
-        </p:txBody>
-      </p:sp>
-    </p:spTree>
-    <p:extLst>
-      <p:ext uri="{BB962C8B-B14F-4D97-AF65-F5344CB8AC3E}">
-        <p14:creationId xmlns:p14="http://schemas.microsoft.com/office/powerpoint/2010/main" val="2076789793"/>
-      </p:ext>
-    </p:extLst>
-  </p:cSld>
-  <p:clrMapOvr>
-    <a:masterClrMapping/>
-  </p:clrMapOvr>
-  <mc:AlternateContent xmlns:mc="http://schemas.openxmlformats.org/markup-compatibility/2006">
-    <mc:Choice xmlns:p14="http://schemas.microsoft.com/office/powerpoint/2010/main" Requires="p14">
-      <p:transition xmlns:mc="http://schemas.openxmlformats.org/markup-compatibility/2006" xmlns:p14="http://schemas.microsoft.com/office/powerpoint/2010/main" mc:Ignorable="p14" p14:dur="500"/>
-    </mc:Choice>
-    <mc:Fallback>
-      <p:transition/>
-    </mc:Fallback>
-  </mc:AlternateContent>
-</p:sld>
-</file>
-
-<file path=ppt/slides/slide9.xml><?xml version="1.0" encoding="utf-8"?>
-<p:sld xmlns:r="http://schemas.openxmlformats.org/officeDocument/2006/relationships" xmlns:c="http://schemas.openxmlformats.org/drawingml/2006/chart" xmlns:a="http://schemas.openxmlformats.org/drawingml/2006/main" xmlns:dgm="http://schemas.openxmlformats.org/drawingml/2006/diagram" xmlns:dsp="http://schemas.microsoft.com/office/drawing/2008/diagram" xmlns:p="http://schemas.openxmlformats.org/presentationml/2006/main">
-  <p:cSld>
-    <p:spTree>
-      <p:nvGrpSpPr>
-        <p:cNvPr id="1" name=""/>
-        <p:cNvGrpSpPr/>
-        <p:nvPr/>
-      </p:nvGrpSpPr>
-      <p:grpSpPr>
-        <a:xfrm>
-          <a:off x="0" y="0"/>
-          <a:ext cx="0" cy="0"/>
-          <a:chOff x="0" y="0"/>
-          <a:chExt cx="0" cy="0"/>
-        </a:xfrm>
-      </p:grpSpPr>
-      <p:pic>
-        <p:nvPicPr>
-          <p:cNvPr id="8" name=""/>
-          <p:cNvPicPr>
-            <a:picLocks noChangeAspect="1"/>
-          </p:cNvPicPr>
-          <p:nvPr/>
-        </p:nvPicPr>
-        <p:blipFill rotWithShape="1">
-          <a:blip r:embed="rId2"/>
-          <a:stretch>
-            <a:fillRect/>
-          </a:stretch>
-        </p:blipFill>
-        <p:spPr>
-          <a:xfrm>
-            <a:off x="979915" y="0"/>
-            <a:ext cx="10232169" cy="6858000"/>
-          </a:xfrm>
-          <a:prstGeom prst="rect">
-            <a:avLst/>
-          </a:prstGeom>
-        </p:spPr>
-      </p:pic>
-    </p:spTree>
-    <p:extLst>
-      <p:ext uri="{BB962C8B-B14F-4D97-AF65-F5344CB8AC3E}">
-        <p14:creationId xmlns:p14="http://schemas.microsoft.com/office/powerpoint/2010/main" val="1480574147"/>
       </p:ext>
     </p:extLst>
   </p:cSld>
